--- a/Módulo 02 - JavaScript/Aula 12 - Introdução ao JS/Introdução ao JS.pptx
+++ b/Módulo 02 - JavaScript/Aula 12 - Introdução ao JS/Introdução ao JS.pptx
@@ -5,7 +5,7 @@
     <p:sldMasterId id="2147483666" r:id="rId1"/>
   </p:sldMasterIdLst>
   <p:handoutMasterIdLst>
-    <p:handoutMasterId r:id="rId25"/>
+    <p:handoutMasterId r:id="rId24"/>
   </p:handoutMasterIdLst>
   <p:sldIdLst>
     <p:sldId id="289" r:id="rId2"/>
@@ -24,13 +24,12 @@
     <p:sldId id="301" r:id="rId15"/>
     <p:sldId id="302" r:id="rId16"/>
     <p:sldId id="303" r:id="rId17"/>
-    <p:sldId id="304" r:id="rId18"/>
-    <p:sldId id="305" r:id="rId19"/>
-    <p:sldId id="306" r:id="rId20"/>
-    <p:sldId id="307" r:id="rId21"/>
-    <p:sldId id="308" r:id="rId22"/>
-    <p:sldId id="309" r:id="rId23"/>
-    <p:sldId id="310" r:id="rId24"/>
+    <p:sldId id="311" r:id="rId18"/>
+    <p:sldId id="304" r:id="rId19"/>
+    <p:sldId id="305" r:id="rId20"/>
+    <p:sldId id="306" r:id="rId21"/>
+    <p:sldId id="307" r:id="rId22"/>
+    <p:sldId id="310" r:id="rId23"/>
   </p:sldIdLst>
   <p:sldSz cx="12192000" cy="6858000"/>
   <p:notesSz cx="12192000" cy="6858000"/>
@@ -245,7 +244,7 @@
           <a:p>
             <a:fld id="{CDD19ED5-E490-49A1-A6CA-250C29DEED9C}" type="datetimeFigureOut">
               <a:rPr lang="pt-BR" smtClean="0"/>
-              <a:t>04/02/2025</a:t>
+              <a:t>05/02/2025</a:t>
             </a:fld>
             <a:endParaRPr lang="pt-BR"/>
           </a:p>
@@ -780,7 +779,7 @@
           <a:p>
             <a:fld id="{1D8BD707-D9CF-40AE-B4C6-C98DA3205C09}" type="datetimeFigureOut">
               <a:rPr lang="en-US" smtClean="0"/>
-              <a:t>2/4/2025</a:t>
+              <a:t>2/5/2025</a:t>
             </a:fld>
             <a:endParaRPr lang="en-US"/>
           </a:p>
@@ -1277,7 +1276,7 @@
           <a:p>
             <a:fld id="{1D8BD707-D9CF-40AE-B4C6-C98DA3205C09}" type="datetimeFigureOut">
               <a:rPr lang="en-US" smtClean="0"/>
-              <a:t>2/4/2025</a:t>
+              <a:t>2/5/2025</a:t>
             </a:fld>
             <a:endParaRPr lang="en-US"/>
           </a:p>
@@ -1585,7 +1584,7 @@
           <a:p>
             <a:fld id="{1D8BD707-D9CF-40AE-B4C6-C98DA3205C09}" type="datetimeFigureOut">
               <a:rPr lang="en-US" smtClean="0"/>
-              <a:t>2/4/2025</a:t>
+              <a:t>2/5/2025</a:t>
             </a:fld>
             <a:endParaRPr lang="en-US"/>
           </a:p>
@@ -2041,7 +2040,7 @@
           <a:p>
             <a:fld id="{1D8BD707-D9CF-40AE-B4C6-C98DA3205C09}" type="datetimeFigureOut">
               <a:rPr lang="en-US" smtClean="0"/>
-              <a:t>2/4/2025</a:t>
+              <a:t>2/5/2025</a:t>
             </a:fld>
             <a:endParaRPr lang="en-US"/>
           </a:p>
@@ -2219,7 +2218,7 @@
           <a:p>
             <a:fld id="{1D8BD707-D9CF-40AE-B4C6-C98DA3205C09}" type="datetimeFigureOut">
               <a:rPr lang="en-US" smtClean="0"/>
-              <a:t>2/4/2025</a:t>
+              <a:t>2/5/2025</a:t>
             </a:fld>
             <a:endParaRPr lang="en-US"/>
           </a:p>
@@ -2361,7 +2360,7 @@
           <a:p>
             <a:fld id="{1D8BD707-D9CF-40AE-B4C6-C98DA3205C09}" type="datetimeFigureOut">
               <a:rPr lang="en-US" smtClean="0"/>
-              <a:t>2/4/2025</a:t>
+              <a:t>2/5/2025</a:t>
             </a:fld>
             <a:endParaRPr lang="en-US"/>
           </a:p>
@@ -2710,7 +2709,7 @@
           <a:p>
             <a:fld id="{1D8BD707-D9CF-40AE-B4C6-C98DA3205C09}" type="datetimeFigureOut">
               <a:rPr lang="en-US" smtClean="0"/>
-              <a:t>2/4/2025</a:t>
+              <a:t>2/5/2025</a:t>
             </a:fld>
             <a:endParaRPr lang="en-US"/>
           </a:p>
@@ -3039,7 +3038,7 @@
           <a:p>
             <a:fld id="{1D8BD707-D9CF-40AE-B4C6-C98DA3205C09}" type="datetimeFigureOut">
               <a:rPr lang="en-US" smtClean="0"/>
-              <a:t>2/4/2025</a:t>
+              <a:t>2/5/2025</a:t>
             </a:fld>
             <a:endParaRPr lang="en-US"/>
           </a:p>
@@ -4184,7 +4183,7 @@
           <a:p>
             <a:r>
               <a:rPr lang="pt-BR" dirty="0"/>
-              <a:t>VAR x LET x CONST</a:t>
+              <a:t>VAR X LET X CONST</a:t>
             </a:r>
           </a:p>
         </p:txBody>
@@ -4824,7 +4823,12 @@
             <p:ph idx="1"/>
           </p:nvPr>
         </p:nvSpPr>
-        <p:spPr/>
+        <p:spPr>
+          <a:xfrm>
+            <a:off x="592347" y="1844675"/>
+            <a:ext cx="11007306" cy="1091202"/>
+          </a:xfrm>
+        </p:spPr>
         <p:txBody>
           <a:bodyPr/>
           <a:lstStyle/>
@@ -4841,36 +4845,6 @@
           </a:p>
         </p:txBody>
       </p:sp>
-      <p:pic>
-        <p:nvPicPr>
-          <p:cNvPr id="4" name="Imagem 3">
-            <a:extLst>
-              <a:ext uri="{FF2B5EF4-FFF2-40B4-BE49-F238E27FC236}">
-                <a16:creationId xmlns:a16="http://schemas.microsoft.com/office/drawing/2014/main" id="{D307EDE8-78D2-48AE-B3CC-A3B0B6F446DB}"/>
-              </a:ext>
-            </a:extLst>
-          </p:cNvPr>
-          <p:cNvPicPr>
-            <a:picLocks noChangeAspect="1"/>
-          </p:cNvPicPr>
-          <p:nvPr/>
-        </p:nvPicPr>
-        <p:blipFill>
-          <a:blip r:embed="rId2"/>
-          <a:stretch>
-            <a:fillRect/>
-          </a:stretch>
-        </p:blipFill>
-        <p:spPr>
-          <a:xfrm>
-            <a:off x="939435" y="3171789"/>
-            <a:ext cx="5789077" cy="1406907"/>
-          </a:xfrm>
-          <a:prstGeom prst="rect">
-            <a:avLst/>
-          </a:prstGeom>
-        </p:spPr>
-      </p:pic>
       <p:sp>
         <p:nvSpPr>
           <p:cNvPr id="5" name="CaixaDeTexto 4">
@@ -4885,8 +4859,8 @@
         </p:nvSpPr>
         <p:spPr>
           <a:xfrm>
-            <a:off x="627907" y="2935877"/>
-            <a:ext cx="623056" cy="461665"/>
+            <a:off x="592346" y="2935877"/>
+            <a:ext cx="3598654" cy="461665"/>
           </a:xfrm>
           <a:prstGeom prst="rect">
             <a:avLst/>
@@ -4900,49 +4874,131 @@
           <a:lstStyle/>
           <a:p>
             <a:r>
-              <a:rPr lang="pt-BR" sz="2400" b="1" dirty="0"/>
-              <a:t>var</a:t>
-            </a:r>
-            <a:endParaRPr lang="pt-BR" sz="2000" b="1" dirty="0"/>
-          </a:p>
-        </p:txBody>
-      </p:sp>
-      <p:pic>
-        <p:nvPicPr>
-          <p:cNvPr id="6" name="Imagem 5">
-            <a:extLst>
-              <a:ext uri="{FF2B5EF4-FFF2-40B4-BE49-F238E27FC236}">
-                <a16:creationId xmlns:a16="http://schemas.microsoft.com/office/drawing/2014/main" id="{A999F352-A9AD-42A6-8737-BED9DC34BF91}"/>
-              </a:ext>
-            </a:extLst>
-          </p:cNvPr>
-          <p:cNvPicPr>
-            <a:picLocks noChangeAspect="1"/>
-          </p:cNvPicPr>
+              <a:rPr lang="pt-BR" sz="2400" b="1" dirty="0">
+                <a:latin typeface="Times New Roman" panose="02020603050405020304" pitchFamily="18" charset="0"/>
+                <a:cs typeface="Times New Roman" panose="02020603050405020304" pitchFamily="18" charset="0"/>
+              </a:rPr>
+              <a:t>var – </a:t>
+            </a:r>
+            <a:r>
+              <a:rPr lang="pt-BR" sz="2400" dirty="0">
+                <a:latin typeface="Times New Roman" panose="02020603050405020304" pitchFamily="18" charset="0"/>
+                <a:cs typeface="Times New Roman" panose="02020603050405020304" pitchFamily="18" charset="0"/>
+              </a:rPr>
+              <a:t>Atribuindo valores</a:t>
+            </a:r>
+            <a:endParaRPr lang="pt-BR" sz="2000" b="1" dirty="0">
+              <a:latin typeface="Times New Roman" panose="02020603050405020304" pitchFamily="18" charset="0"/>
+              <a:cs typeface="Times New Roman" panose="02020603050405020304" pitchFamily="18" charset="0"/>
+            </a:endParaRPr>
+          </a:p>
+        </p:txBody>
+      </p:sp>
+      <p:sp>
+        <p:nvSpPr>
+          <p:cNvPr id="8" name="Retângulo 7">
+            <a:extLst>
+              <a:ext uri="{FF2B5EF4-FFF2-40B4-BE49-F238E27FC236}">
+                <a16:creationId xmlns:a16="http://schemas.microsoft.com/office/drawing/2014/main" id="{CFF4A2FA-8F63-4DA7-B2C8-E46E68DF94C1}"/>
+              </a:ext>
+            </a:extLst>
+          </p:cNvPr>
+          <p:cNvSpPr/>
           <p:nvPr/>
-        </p:nvPicPr>
-        <p:blipFill>
-          <a:blip r:embed="rId3"/>
-          <a:stretch>
-            <a:fillRect/>
-          </a:stretch>
-        </p:blipFill>
-        <p:spPr>
-          <a:xfrm>
-            <a:off x="5571416" y="4962625"/>
-            <a:ext cx="5887114" cy="1457607"/>
+        </p:nvSpPr>
+        <p:spPr>
+          <a:xfrm>
+            <a:off x="4372874" y="3691022"/>
+            <a:ext cx="3446253" cy="646331"/>
           </a:xfrm>
           <a:prstGeom prst="rect">
             <a:avLst/>
           </a:prstGeom>
         </p:spPr>
-      </p:pic>
-      <p:sp>
-        <p:nvSpPr>
-          <p:cNvPr id="7" name="CaixaDeTexto 6">
-            <a:extLst>
-              <a:ext uri="{FF2B5EF4-FFF2-40B4-BE49-F238E27FC236}">
-                <a16:creationId xmlns:a16="http://schemas.microsoft.com/office/drawing/2014/main" id="{CEF71C13-BD3F-40AE-AA11-7E97BE42DF4D}"/>
+        <p:txBody>
+          <a:bodyPr wrap="square">
+            <a:spAutoFit/>
+          </a:bodyPr>
+          <a:lstStyle/>
+          <a:p>
+            <a:r>
+              <a:rPr lang="sv-SE" dirty="0">
+                <a:solidFill>
+                  <a:srgbClr val="0000FF"/>
+                </a:solidFill>
+                <a:latin typeface="Consolas" panose="020B0609020204030204" pitchFamily="49" charset="0"/>
+              </a:rPr>
+              <a:t>var</a:t>
+            </a:r>
+            <a:r>
+              <a:rPr lang="sv-SE" dirty="0">
+                <a:solidFill>
+                  <a:srgbClr val="000000"/>
+                </a:solidFill>
+                <a:latin typeface="Consolas" panose="020B0609020204030204" pitchFamily="49" charset="0"/>
+              </a:rPr>
+              <a:t> texto = </a:t>
+            </a:r>
+            <a:r>
+              <a:rPr lang="sv-SE" dirty="0">
+                <a:solidFill>
+                  <a:srgbClr val="A31515"/>
+                </a:solidFill>
+                <a:latin typeface="Consolas" panose="020B0609020204030204" pitchFamily="49" charset="0"/>
+              </a:rPr>
+              <a:t>"Hello World"</a:t>
+            </a:r>
+            <a:endParaRPr lang="sv-SE" dirty="0">
+              <a:solidFill>
+                <a:srgbClr val="000000"/>
+              </a:solidFill>
+              <a:latin typeface="Consolas" panose="020B0609020204030204" pitchFamily="49" charset="0"/>
+            </a:endParaRPr>
+          </a:p>
+          <a:p>
+            <a:r>
+              <a:rPr lang="sv-SE" dirty="0">
+                <a:solidFill>
+                  <a:srgbClr val="0000FF"/>
+                </a:solidFill>
+                <a:latin typeface="Consolas" panose="020B0609020204030204" pitchFamily="49" charset="0"/>
+              </a:rPr>
+              <a:t>var</a:t>
+            </a:r>
+            <a:r>
+              <a:rPr lang="sv-SE" dirty="0">
+                <a:solidFill>
+                  <a:srgbClr val="000000"/>
+                </a:solidFill>
+                <a:latin typeface="Consolas" panose="020B0609020204030204" pitchFamily="49" charset="0"/>
+              </a:rPr>
+              <a:t> numero = </a:t>
+            </a:r>
+            <a:r>
+              <a:rPr lang="sv-SE" dirty="0">
+                <a:solidFill>
+                  <a:srgbClr val="098658"/>
+                </a:solidFill>
+                <a:latin typeface="Consolas" panose="020B0609020204030204" pitchFamily="49" charset="0"/>
+              </a:rPr>
+              <a:t>5</a:t>
+            </a:r>
+            <a:endParaRPr lang="sv-SE" b="0" dirty="0">
+              <a:solidFill>
+                <a:srgbClr val="000000"/>
+              </a:solidFill>
+              <a:effectLst/>
+              <a:latin typeface="Consolas" panose="020B0609020204030204" pitchFamily="49" charset="0"/>
+            </a:endParaRPr>
+          </a:p>
+        </p:txBody>
+      </p:sp>
+      <p:sp>
+        <p:nvSpPr>
+          <p:cNvPr id="11" name="CaixaDeTexto 10">
+            <a:extLst>
+              <a:ext uri="{FF2B5EF4-FFF2-40B4-BE49-F238E27FC236}">
+                <a16:creationId xmlns:a16="http://schemas.microsoft.com/office/drawing/2014/main" id="{839FE941-86C1-4E3E-9E1B-0727819273E1}"/>
               </a:ext>
             </a:extLst>
           </p:cNvPr>
@@ -4951,8 +5007,8 @@
         </p:nvSpPr>
         <p:spPr>
           <a:xfrm>
-            <a:off x="5508106" y="4384989"/>
-            <a:ext cx="623056" cy="523220"/>
+            <a:off x="592346" y="4630833"/>
+            <a:ext cx="7103854" cy="461665"/>
           </a:xfrm>
           <a:prstGeom prst="rect">
             <a:avLst/>
@@ -4966,10 +5022,104 @@
           <a:lstStyle/>
           <a:p>
             <a:r>
-              <a:rPr lang="pt-BR" sz="2800" b="1" dirty="0" err="1"/>
-              <a:t>let</a:t>
-            </a:r>
-            <a:endParaRPr lang="pt-BR" sz="2000" b="1" dirty="0"/>
+              <a:rPr lang="pt-BR" sz="2400" b="1" dirty="0">
+                <a:latin typeface="Times New Roman" panose="02020603050405020304" pitchFamily="18" charset="0"/>
+                <a:cs typeface="Times New Roman" panose="02020603050405020304" pitchFamily="18" charset="0"/>
+              </a:rPr>
+              <a:t>var – </a:t>
+            </a:r>
+            <a:r>
+              <a:rPr lang="pt-BR" sz="2400" dirty="0">
+                <a:latin typeface="Times New Roman" panose="02020603050405020304" pitchFamily="18" charset="0"/>
+                <a:cs typeface="Times New Roman" panose="02020603050405020304" pitchFamily="18" charset="0"/>
+              </a:rPr>
+              <a:t>Atribuindo novos valores a uma mesma variável </a:t>
+            </a:r>
+            <a:endParaRPr lang="pt-BR" sz="2000" b="1" dirty="0">
+              <a:latin typeface="Times New Roman" panose="02020603050405020304" pitchFamily="18" charset="0"/>
+              <a:cs typeface="Times New Roman" panose="02020603050405020304" pitchFamily="18" charset="0"/>
+            </a:endParaRPr>
+          </a:p>
+        </p:txBody>
+      </p:sp>
+      <p:sp>
+        <p:nvSpPr>
+          <p:cNvPr id="12" name="Retângulo 11">
+            <a:extLst>
+              <a:ext uri="{FF2B5EF4-FFF2-40B4-BE49-F238E27FC236}">
+                <a16:creationId xmlns:a16="http://schemas.microsoft.com/office/drawing/2014/main" id="{2E43F476-A642-4B46-A07D-5445BC9B7A32}"/>
+              </a:ext>
+            </a:extLst>
+          </p:cNvPr>
+          <p:cNvSpPr/>
+          <p:nvPr/>
+        </p:nvSpPr>
+        <p:spPr>
+          <a:xfrm>
+            <a:off x="4372874" y="5385979"/>
+            <a:ext cx="3446253" cy="646331"/>
+          </a:xfrm>
+          <a:prstGeom prst="rect">
+            <a:avLst/>
+          </a:prstGeom>
+        </p:spPr>
+        <p:txBody>
+          <a:bodyPr wrap="square">
+            <a:spAutoFit/>
+          </a:bodyPr>
+          <a:lstStyle/>
+          <a:p>
+            <a:r>
+              <a:rPr lang="sv-SE" dirty="0">
+                <a:solidFill>
+                  <a:srgbClr val="000000"/>
+                </a:solidFill>
+                <a:latin typeface="Consolas" panose="020B0609020204030204" pitchFamily="49" charset="0"/>
+              </a:rPr>
+              <a:t>texto = </a:t>
+            </a:r>
+            <a:r>
+              <a:rPr lang="sv-SE" dirty="0">
+                <a:solidFill>
+                  <a:srgbClr val="A31515"/>
+                </a:solidFill>
+                <a:latin typeface="Consolas" panose="020B0609020204030204" pitchFamily="49" charset="0"/>
+              </a:rPr>
+              <a:t>"Hello World"</a:t>
+            </a:r>
+            <a:endParaRPr lang="sv-SE" dirty="0">
+              <a:solidFill>
+                <a:srgbClr val="000000"/>
+              </a:solidFill>
+              <a:latin typeface="Consolas" panose="020B0609020204030204" pitchFamily="49" charset="0"/>
+            </a:endParaRPr>
+          </a:p>
+          <a:p>
+            <a:r>
+              <a:rPr lang="sv-SE" dirty="0">
+                <a:solidFill>
+                  <a:srgbClr val="000000"/>
+                </a:solidFill>
+                <a:latin typeface="Consolas" panose="020B0609020204030204" pitchFamily="49" charset="0"/>
+              </a:rPr>
+              <a:t>numero = </a:t>
+            </a:r>
+            <a:r>
+              <a:rPr lang="sv-SE" dirty="0">
+                <a:solidFill>
+                  <a:srgbClr val="098658"/>
+                </a:solidFill>
+                <a:latin typeface="Consolas" panose="020B0609020204030204" pitchFamily="49" charset="0"/>
+              </a:rPr>
+              <a:t>5</a:t>
+            </a:r>
+            <a:endParaRPr lang="sv-SE" b="0" dirty="0">
+              <a:solidFill>
+                <a:srgbClr val="000000"/>
+              </a:solidFill>
+              <a:effectLst/>
+              <a:latin typeface="Consolas" panose="020B0609020204030204" pitchFamily="49" charset="0"/>
+            </a:endParaRPr>
           </a:p>
         </p:txBody>
       </p:sp>
@@ -5008,7 +5158,7 @@
           <p:cNvPr id="2" name="Título 1">
             <a:extLst>
               <a:ext uri="{FF2B5EF4-FFF2-40B4-BE49-F238E27FC236}">
-                <a16:creationId xmlns:a16="http://schemas.microsoft.com/office/drawing/2014/main" id="{F798D59C-AC0E-4786-B94D-2B8F64F1EEEF}"/>
+                <a16:creationId xmlns:a16="http://schemas.microsoft.com/office/drawing/2014/main" id="{B1719279-1B79-42D2-A6FC-470CDD6F74F0}"/>
               </a:ext>
             </a:extLst>
           </p:cNvPr>
@@ -5025,36 +5175,8 @@
           <a:lstStyle/>
           <a:p>
             <a:r>
-              <a:rPr lang="pt-BR" spc="-5" dirty="0"/>
-              <a:t>De</a:t>
-            </a:r>
-            <a:r>
-              <a:rPr lang="pt-BR" spc="10" dirty="0"/>
-              <a:t>c</a:t>
-            </a:r>
-            <a:r>
-              <a:rPr lang="pt-BR" spc="-5" dirty="0"/>
-              <a:t>laraç</a:t>
-            </a:r>
-            <a:r>
-              <a:rPr lang="pt-BR" spc="5" dirty="0"/>
-              <a:t>ã</a:t>
-            </a:r>
-            <a:r>
               <a:rPr lang="pt-BR" dirty="0"/>
-              <a:t>o</a:t>
-            </a:r>
-            <a:r>
-              <a:rPr lang="pt-BR" spc="-20" dirty="0"/>
-              <a:t> </a:t>
-            </a:r>
-            <a:r>
-              <a:rPr lang="pt-BR" spc="-5" dirty="0"/>
-              <a:t>de </a:t>
-            </a:r>
-            <a:r>
-              <a:rPr lang="pt-BR" dirty="0"/>
-              <a:t>Constantes</a:t>
+              <a:t>Declaração de Variáveis</a:t>
             </a:r>
           </a:p>
         </p:txBody>
@@ -5064,7 +5186,7 @@
           <p:cNvPr id="3" name="Espaço Reservado para Conteúdo 2">
             <a:extLst>
               <a:ext uri="{FF2B5EF4-FFF2-40B4-BE49-F238E27FC236}">
-                <a16:creationId xmlns:a16="http://schemas.microsoft.com/office/drawing/2014/main" id="{E3028F5F-AA8B-4EFA-87E2-0617F84014E8}"/>
+                <a16:creationId xmlns:a16="http://schemas.microsoft.com/office/drawing/2014/main" id="{298C65C6-5A8C-4370-A29F-B17098781368}"/>
               </a:ext>
             </a:extLst>
           </p:cNvPr>
@@ -5075,55 +5197,324 @@
             <p:ph idx="1"/>
           </p:nvPr>
         </p:nvSpPr>
-        <p:spPr/>
+        <p:spPr>
+          <a:xfrm>
+            <a:off x="592347" y="1844675"/>
+            <a:ext cx="11007306" cy="1091202"/>
+          </a:xfrm>
+        </p:spPr>
         <p:txBody>
           <a:bodyPr/>
           <a:lstStyle/>
           <a:p>
+            <a:pPr>
+              <a:spcBef>
+                <a:spcPts val="0"/>
+              </a:spcBef>
+            </a:pPr>
             <a:r>
               <a:rPr lang="pt-BR" dirty="0"/>
-              <a:t>Para que uma constante ser utilizada pelo programa, primeiro ela  deve ser declarada, para que seja reservado o espaço na memória para armazenamento de  seus dados</a:t>
-            </a:r>
-          </a:p>
-          <a:p>
-            <a:endParaRPr lang="pt-BR" dirty="0"/>
-          </a:p>
-        </p:txBody>
-      </p:sp>
-      <p:pic>
-        <p:nvPicPr>
-          <p:cNvPr id="4" name="Imagem 3">
-            <a:extLst>
-              <a:ext uri="{FF2B5EF4-FFF2-40B4-BE49-F238E27FC236}">
-                <a16:creationId xmlns:a16="http://schemas.microsoft.com/office/drawing/2014/main" id="{E36AFEA5-5E91-4AF3-9540-79FBC0DD6C02}"/>
-              </a:ext>
-            </a:extLst>
-          </p:cNvPr>
-          <p:cNvPicPr>
-            <a:picLocks noChangeAspect="1"/>
-          </p:cNvPicPr>
+              <a:t>Para que uma variável ser utilizada pelo programa, primeiro ela  deve ser declarada, para que seja reservado o espaço na memória para armazenamento de  seus dados.</a:t>
+            </a:r>
+          </a:p>
+        </p:txBody>
+      </p:sp>
+      <p:sp>
+        <p:nvSpPr>
+          <p:cNvPr id="5" name="CaixaDeTexto 4">
+            <a:extLst>
+              <a:ext uri="{FF2B5EF4-FFF2-40B4-BE49-F238E27FC236}">
+                <a16:creationId xmlns:a16="http://schemas.microsoft.com/office/drawing/2014/main" id="{8BCF97CF-8994-4C3E-B521-B486585382F1}"/>
+              </a:ext>
+            </a:extLst>
+          </p:cNvPr>
+          <p:cNvSpPr txBox="1"/>
           <p:nvPr/>
-        </p:nvPicPr>
-        <p:blipFill>
-          <a:blip r:embed="rId2"/>
-          <a:stretch>
-            <a:fillRect/>
-          </a:stretch>
-        </p:blipFill>
-        <p:spPr>
-          <a:xfrm>
-            <a:off x="1905000" y="3474720"/>
-            <a:ext cx="7440063" cy="1362265"/>
+        </p:nvSpPr>
+        <p:spPr>
+          <a:xfrm>
+            <a:off x="592346" y="2935877"/>
+            <a:ext cx="3598654" cy="461665"/>
           </a:xfrm>
           <a:prstGeom prst="rect">
             <a:avLst/>
           </a:prstGeom>
-        </p:spPr>
-      </p:pic>
+          <a:noFill/>
+        </p:spPr>
+        <p:txBody>
+          <a:bodyPr wrap="square" rtlCol="0">
+            <a:spAutoFit/>
+          </a:bodyPr>
+          <a:lstStyle/>
+          <a:p>
+            <a:r>
+              <a:rPr lang="pt-BR" sz="2400" b="1" dirty="0" err="1">
+                <a:latin typeface="Times New Roman" panose="02020603050405020304" pitchFamily="18" charset="0"/>
+                <a:cs typeface="Times New Roman" panose="02020603050405020304" pitchFamily="18" charset="0"/>
+              </a:rPr>
+              <a:t>let</a:t>
+            </a:r>
+            <a:r>
+              <a:rPr lang="pt-BR" sz="2400" b="1" dirty="0">
+                <a:latin typeface="Times New Roman" panose="02020603050405020304" pitchFamily="18" charset="0"/>
+                <a:cs typeface="Times New Roman" panose="02020603050405020304" pitchFamily="18" charset="0"/>
+              </a:rPr>
+              <a:t> – </a:t>
+            </a:r>
+            <a:r>
+              <a:rPr lang="pt-BR" sz="2400" dirty="0">
+                <a:latin typeface="Times New Roman" panose="02020603050405020304" pitchFamily="18" charset="0"/>
+                <a:cs typeface="Times New Roman" panose="02020603050405020304" pitchFamily="18" charset="0"/>
+              </a:rPr>
+              <a:t>Atribuindo valores</a:t>
+            </a:r>
+            <a:endParaRPr lang="pt-BR" sz="2000" b="1" dirty="0">
+              <a:latin typeface="Times New Roman" panose="02020603050405020304" pitchFamily="18" charset="0"/>
+              <a:cs typeface="Times New Roman" panose="02020603050405020304" pitchFamily="18" charset="0"/>
+            </a:endParaRPr>
+          </a:p>
+        </p:txBody>
+      </p:sp>
+      <p:sp>
+        <p:nvSpPr>
+          <p:cNvPr id="8" name="Retângulo 7">
+            <a:extLst>
+              <a:ext uri="{FF2B5EF4-FFF2-40B4-BE49-F238E27FC236}">
+                <a16:creationId xmlns:a16="http://schemas.microsoft.com/office/drawing/2014/main" id="{CFF4A2FA-8F63-4DA7-B2C8-E46E68DF94C1}"/>
+              </a:ext>
+            </a:extLst>
+          </p:cNvPr>
+          <p:cNvSpPr/>
+          <p:nvPr/>
+        </p:nvSpPr>
+        <p:spPr>
+          <a:xfrm>
+            <a:off x="4372874" y="3691022"/>
+            <a:ext cx="3446253" cy="646331"/>
+          </a:xfrm>
+          <a:prstGeom prst="rect">
+            <a:avLst/>
+          </a:prstGeom>
+        </p:spPr>
+        <p:txBody>
+          <a:bodyPr wrap="square">
+            <a:spAutoFit/>
+          </a:bodyPr>
+          <a:lstStyle/>
+          <a:p>
+            <a:r>
+              <a:rPr lang="sv-SE" dirty="0">
+                <a:solidFill>
+                  <a:srgbClr val="0000FF"/>
+                </a:solidFill>
+                <a:latin typeface="Consolas" panose="020B0609020204030204" pitchFamily="49" charset="0"/>
+              </a:rPr>
+              <a:t>let</a:t>
+            </a:r>
+            <a:r>
+              <a:rPr lang="sv-SE" dirty="0">
+                <a:solidFill>
+                  <a:srgbClr val="000000"/>
+                </a:solidFill>
+                <a:latin typeface="Consolas" panose="020B0609020204030204" pitchFamily="49" charset="0"/>
+              </a:rPr>
+              <a:t> texto = </a:t>
+            </a:r>
+            <a:r>
+              <a:rPr lang="sv-SE" dirty="0">
+                <a:solidFill>
+                  <a:srgbClr val="A31515"/>
+                </a:solidFill>
+                <a:latin typeface="Consolas" panose="020B0609020204030204" pitchFamily="49" charset="0"/>
+              </a:rPr>
+              <a:t>"Hello World"</a:t>
+            </a:r>
+            <a:endParaRPr lang="sv-SE" dirty="0">
+              <a:solidFill>
+                <a:srgbClr val="000000"/>
+              </a:solidFill>
+              <a:latin typeface="Consolas" panose="020B0609020204030204" pitchFamily="49" charset="0"/>
+            </a:endParaRPr>
+          </a:p>
+          <a:p>
+            <a:r>
+              <a:rPr lang="sv-SE" dirty="0">
+                <a:solidFill>
+                  <a:srgbClr val="0000FF"/>
+                </a:solidFill>
+                <a:latin typeface="Consolas" panose="020B0609020204030204" pitchFamily="49" charset="0"/>
+              </a:rPr>
+              <a:t>let</a:t>
+            </a:r>
+            <a:r>
+              <a:rPr lang="sv-SE" dirty="0">
+                <a:solidFill>
+                  <a:srgbClr val="000000"/>
+                </a:solidFill>
+                <a:latin typeface="Consolas" panose="020B0609020204030204" pitchFamily="49" charset="0"/>
+              </a:rPr>
+              <a:t> numero = </a:t>
+            </a:r>
+            <a:r>
+              <a:rPr lang="sv-SE" dirty="0">
+                <a:solidFill>
+                  <a:srgbClr val="098658"/>
+                </a:solidFill>
+                <a:latin typeface="Consolas" panose="020B0609020204030204" pitchFamily="49" charset="0"/>
+              </a:rPr>
+              <a:t>5</a:t>
+            </a:r>
+            <a:endParaRPr lang="sv-SE" b="0" dirty="0">
+              <a:solidFill>
+                <a:srgbClr val="000000"/>
+              </a:solidFill>
+              <a:effectLst/>
+              <a:latin typeface="Consolas" panose="020B0609020204030204" pitchFamily="49" charset="0"/>
+            </a:endParaRPr>
+          </a:p>
+        </p:txBody>
+      </p:sp>
+      <p:sp>
+        <p:nvSpPr>
+          <p:cNvPr id="11" name="CaixaDeTexto 10">
+            <a:extLst>
+              <a:ext uri="{FF2B5EF4-FFF2-40B4-BE49-F238E27FC236}">
+                <a16:creationId xmlns:a16="http://schemas.microsoft.com/office/drawing/2014/main" id="{839FE941-86C1-4E3E-9E1B-0727819273E1}"/>
+              </a:ext>
+            </a:extLst>
+          </p:cNvPr>
+          <p:cNvSpPr txBox="1"/>
+          <p:nvPr/>
+        </p:nvSpPr>
+        <p:spPr>
+          <a:xfrm>
+            <a:off x="592346" y="4630833"/>
+            <a:ext cx="7103854" cy="461665"/>
+          </a:xfrm>
+          <a:prstGeom prst="rect">
+            <a:avLst/>
+          </a:prstGeom>
+          <a:noFill/>
+        </p:spPr>
+        <p:txBody>
+          <a:bodyPr wrap="square" rtlCol="0">
+            <a:spAutoFit/>
+          </a:bodyPr>
+          <a:lstStyle/>
+          <a:p>
+            <a:r>
+              <a:rPr lang="pt-BR" sz="2400" b="1" dirty="0" err="1">
+                <a:latin typeface="Times New Roman" panose="02020603050405020304" pitchFamily="18" charset="0"/>
+                <a:cs typeface="Times New Roman" panose="02020603050405020304" pitchFamily="18" charset="0"/>
+              </a:rPr>
+              <a:t>let</a:t>
+            </a:r>
+            <a:r>
+              <a:rPr lang="pt-BR" sz="2400" b="1" dirty="0">
+                <a:latin typeface="Times New Roman" panose="02020603050405020304" pitchFamily="18" charset="0"/>
+                <a:cs typeface="Times New Roman" panose="02020603050405020304" pitchFamily="18" charset="0"/>
+              </a:rPr>
+              <a:t> – </a:t>
+            </a:r>
+            <a:r>
+              <a:rPr lang="pt-BR" sz="2400" dirty="0">
+                <a:latin typeface="Times New Roman" panose="02020603050405020304" pitchFamily="18" charset="0"/>
+                <a:cs typeface="Times New Roman" panose="02020603050405020304" pitchFamily="18" charset="0"/>
+              </a:rPr>
+              <a:t>Atribuindo novos valores a uma mesma variável </a:t>
+            </a:r>
+            <a:endParaRPr lang="pt-BR" sz="2000" b="1" dirty="0">
+              <a:latin typeface="Times New Roman" panose="02020603050405020304" pitchFamily="18" charset="0"/>
+              <a:cs typeface="Times New Roman" panose="02020603050405020304" pitchFamily="18" charset="0"/>
+            </a:endParaRPr>
+          </a:p>
+        </p:txBody>
+      </p:sp>
+      <p:sp>
+        <p:nvSpPr>
+          <p:cNvPr id="12" name="Retângulo 11">
+            <a:extLst>
+              <a:ext uri="{FF2B5EF4-FFF2-40B4-BE49-F238E27FC236}">
+                <a16:creationId xmlns:a16="http://schemas.microsoft.com/office/drawing/2014/main" id="{2E43F476-A642-4B46-A07D-5445BC9B7A32}"/>
+              </a:ext>
+            </a:extLst>
+          </p:cNvPr>
+          <p:cNvSpPr/>
+          <p:nvPr/>
+        </p:nvSpPr>
+        <p:spPr>
+          <a:xfrm>
+            <a:off x="4372874" y="5385979"/>
+            <a:ext cx="3446253" cy="646331"/>
+          </a:xfrm>
+          <a:prstGeom prst="rect">
+            <a:avLst/>
+          </a:prstGeom>
+        </p:spPr>
+        <p:txBody>
+          <a:bodyPr wrap="square">
+            <a:spAutoFit/>
+          </a:bodyPr>
+          <a:lstStyle/>
+          <a:p>
+            <a:r>
+              <a:rPr lang="sv-SE" dirty="0">
+                <a:solidFill>
+                  <a:srgbClr val="000000"/>
+                </a:solidFill>
+                <a:latin typeface="Consolas" panose="020B0609020204030204" pitchFamily="49" charset="0"/>
+              </a:rPr>
+              <a:t>texto = </a:t>
+            </a:r>
+            <a:r>
+              <a:rPr lang="sv-SE" dirty="0">
+                <a:solidFill>
+                  <a:srgbClr val="A31515"/>
+                </a:solidFill>
+                <a:latin typeface="Consolas" panose="020B0609020204030204" pitchFamily="49" charset="0"/>
+              </a:rPr>
+              <a:t>"Hello World"</a:t>
+            </a:r>
+            <a:endParaRPr lang="sv-SE" dirty="0">
+              <a:solidFill>
+                <a:srgbClr val="000000"/>
+              </a:solidFill>
+              <a:latin typeface="Consolas" panose="020B0609020204030204" pitchFamily="49" charset="0"/>
+            </a:endParaRPr>
+          </a:p>
+          <a:p>
+            <a:r>
+              <a:rPr lang="sv-SE" dirty="0">
+                <a:solidFill>
+                  <a:srgbClr val="000000"/>
+                </a:solidFill>
+                <a:latin typeface="Consolas" panose="020B0609020204030204" pitchFamily="49" charset="0"/>
+              </a:rPr>
+              <a:t>numero = </a:t>
+            </a:r>
+            <a:r>
+              <a:rPr lang="sv-SE" dirty="0">
+                <a:solidFill>
+                  <a:srgbClr val="098658"/>
+                </a:solidFill>
+                <a:latin typeface="Consolas" panose="020B0609020204030204" pitchFamily="49" charset="0"/>
+              </a:rPr>
+              <a:t>5</a:t>
+            </a:r>
+            <a:endParaRPr lang="sv-SE" b="0" dirty="0">
+              <a:solidFill>
+                <a:srgbClr val="000000"/>
+              </a:solidFill>
+              <a:effectLst/>
+              <a:latin typeface="Consolas" panose="020B0609020204030204" pitchFamily="49" charset="0"/>
+            </a:endParaRPr>
+          </a:p>
+        </p:txBody>
+      </p:sp>
     </p:spTree>
     <p:extLst>
       <p:ext uri="{BB962C8B-B14F-4D97-AF65-F5344CB8AC3E}">
-        <p14:creationId xmlns:p14="http://schemas.microsoft.com/office/powerpoint/2010/main" val="1989550390"/>
+        <p14:creationId xmlns:p14="http://schemas.microsoft.com/office/powerpoint/2010/main" val="3538865281"/>
       </p:ext>
     </p:extLst>
   </p:cSld>
@@ -5155,7 +5546,7 @@
           <p:cNvPr id="2" name="Título 1">
             <a:extLst>
               <a:ext uri="{FF2B5EF4-FFF2-40B4-BE49-F238E27FC236}">
-                <a16:creationId xmlns:a16="http://schemas.microsoft.com/office/drawing/2014/main" id="{7C4F9435-904E-4622-9F5C-22A7E8B539C3}"/>
+                <a16:creationId xmlns:a16="http://schemas.microsoft.com/office/drawing/2014/main" id="{F798D59C-AC0E-4786-B94D-2B8F64F1EEEF}"/>
               </a:ext>
             </a:extLst>
           </p:cNvPr>
@@ -5172,8 +5563,36 @@
           <a:lstStyle/>
           <a:p>
             <a:r>
+              <a:rPr lang="pt-BR" spc="-5" dirty="0"/>
+              <a:t>De</a:t>
+            </a:r>
+            <a:r>
+              <a:rPr lang="pt-BR" spc="10" dirty="0"/>
+              <a:t>c</a:t>
+            </a:r>
+            <a:r>
+              <a:rPr lang="pt-BR" spc="-5" dirty="0"/>
+              <a:t>laraç</a:t>
+            </a:r>
+            <a:r>
+              <a:rPr lang="pt-BR" spc="5" dirty="0"/>
+              <a:t>ã</a:t>
+            </a:r>
+            <a:r>
               <a:rPr lang="pt-BR" dirty="0"/>
-              <a:t>Operadores Aritméticos</a:t>
+              <a:t>o</a:t>
+            </a:r>
+            <a:r>
+              <a:rPr lang="pt-BR" spc="-20" dirty="0"/>
+              <a:t> </a:t>
+            </a:r>
+            <a:r>
+              <a:rPr lang="pt-BR" spc="-5" dirty="0"/>
+              <a:t>de </a:t>
+            </a:r>
+            <a:r>
+              <a:rPr lang="pt-BR" dirty="0"/>
+              <a:t>Constantes</a:t>
             </a:r>
           </a:p>
         </p:txBody>
@@ -5183,7 +5602,7 @@
           <p:cNvPr id="3" name="Espaço Reservado para Conteúdo 2">
             <a:extLst>
               <a:ext uri="{FF2B5EF4-FFF2-40B4-BE49-F238E27FC236}">
-                <a16:creationId xmlns:a16="http://schemas.microsoft.com/office/drawing/2014/main" id="{D61CBECE-B023-4E4D-8666-1271FE564CF5}"/>
+                <a16:creationId xmlns:a16="http://schemas.microsoft.com/office/drawing/2014/main" id="{E3028F5F-AA8B-4EFA-87E2-0617F84014E8}"/>
               </a:ext>
             </a:extLst>
           </p:cNvPr>
@@ -5194,14 +5613,19 @@
             <p:ph idx="1"/>
           </p:nvPr>
         </p:nvSpPr>
-        <p:spPr/>
+        <p:spPr>
+          <a:xfrm>
+            <a:off x="592347" y="1844675"/>
+            <a:ext cx="11007306" cy="1203325"/>
+          </a:xfrm>
+        </p:spPr>
         <p:txBody>
           <a:bodyPr/>
           <a:lstStyle/>
           <a:p>
             <a:r>
               <a:rPr lang="pt-BR" dirty="0"/>
-              <a:t>Os operadores aritméticos são elementos fundamentais em linguagens de programação que permitem a realização de operações matemáticas sobre variáveis e valores. Os operadores aritméticos mais comuns incluem:</a:t>
+              <a:t>Para que uma constante ser utilizada pelo programa, primeiro ela  deve ser declarada, para que seja reservado o espaço na memória para armazenamento de  seus dados</a:t>
             </a:r>
           </a:p>
           <a:p>
@@ -5209,70 +5633,165 @@
           </a:p>
         </p:txBody>
       </p:sp>
-      <p:pic>
-        <p:nvPicPr>
-          <p:cNvPr id="4" name="Imagem 3">
-            <a:extLst>
-              <a:ext uri="{FF2B5EF4-FFF2-40B4-BE49-F238E27FC236}">
-                <a16:creationId xmlns:a16="http://schemas.microsoft.com/office/drawing/2014/main" id="{92D0E789-F389-477C-A4FC-727FF3EAB1C1}"/>
-              </a:ext>
-            </a:extLst>
-          </p:cNvPr>
-          <p:cNvPicPr>
-            <a:picLocks noChangeAspect="1"/>
-          </p:cNvPicPr>
+      <p:sp>
+        <p:nvSpPr>
+          <p:cNvPr id="7" name="Retângulo 6">
+            <a:extLst>
+              <a:ext uri="{FF2B5EF4-FFF2-40B4-BE49-F238E27FC236}">
+                <a16:creationId xmlns:a16="http://schemas.microsoft.com/office/drawing/2014/main" id="{E58C12FD-998F-4DE4-AE02-2BF7C1114782}"/>
+              </a:ext>
+            </a:extLst>
+          </p:cNvPr>
+          <p:cNvSpPr/>
           <p:nvPr/>
-        </p:nvPicPr>
-        <p:blipFill>
-          <a:blip r:embed="rId2"/>
-          <a:stretch>
-            <a:fillRect/>
-          </a:stretch>
-        </p:blipFill>
-        <p:spPr>
-          <a:xfrm>
-            <a:off x="573088" y="2230672"/>
-            <a:ext cx="4686593" cy="1280422"/>
+        </p:nvSpPr>
+        <p:spPr>
+          <a:xfrm>
+            <a:off x="4281938" y="3953312"/>
+            <a:ext cx="3628125" cy="646331"/>
           </a:xfrm>
           <a:prstGeom prst="rect">
             <a:avLst/>
           </a:prstGeom>
         </p:spPr>
-      </p:pic>
-      <p:pic>
-        <p:nvPicPr>
-          <p:cNvPr id="5" name="Imagem 4">
-            <a:extLst>
-              <a:ext uri="{FF2B5EF4-FFF2-40B4-BE49-F238E27FC236}">
-                <a16:creationId xmlns:a16="http://schemas.microsoft.com/office/drawing/2014/main" id="{CB787A6D-E10E-4058-9C2C-B03FE4D4387D}"/>
-              </a:ext>
-            </a:extLst>
-          </p:cNvPr>
-          <p:cNvPicPr>
-            <a:picLocks noChangeAspect="1"/>
-          </p:cNvPicPr>
+        <p:txBody>
+          <a:bodyPr wrap="square">
+            <a:spAutoFit/>
+          </a:bodyPr>
+          <a:lstStyle/>
+          <a:p>
+            <a:r>
+              <a:rPr lang="sv-SE" dirty="0">
+                <a:solidFill>
+                  <a:srgbClr val="0000FF"/>
+                </a:solidFill>
+                <a:latin typeface="Consolas" panose="020B0609020204030204" pitchFamily="49" charset="0"/>
+              </a:rPr>
+              <a:t>const</a:t>
+            </a:r>
+            <a:r>
+              <a:rPr lang="sv-SE" dirty="0">
+                <a:solidFill>
+                  <a:srgbClr val="000000"/>
+                </a:solidFill>
+                <a:latin typeface="Consolas" panose="020B0609020204030204" pitchFamily="49" charset="0"/>
+              </a:rPr>
+              <a:t> texto = </a:t>
+            </a:r>
+            <a:r>
+              <a:rPr lang="sv-SE" dirty="0">
+                <a:solidFill>
+                  <a:srgbClr val="A31515"/>
+                </a:solidFill>
+                <a:latin typeface="Consolas" panose="020B0609020204030204" pitchFamily="49" charset="0"/>
+              </a:rPr>
+              <a:t>"Hello World"</a:t>
+            </a:r>
+            <a:endParaRPr lang="sv-SE" dirty="0">
+              <a:solidFill>
+                <a:srgbClr val="000000"/>
+              </a:solidFill>
+              <a:latin typeface="Consolas" panose="020B0609020204030204" pitchFamily="49" charset="0"/>
+            </a:endParaRPr>
+          </a:p>
+          <a:p>
+            <a:r>
+              <a:rPr lang="sv-SE" dirty="0">
+                <a:solidFill>
+                  <a:srgbClr val="0000FF"/>
+                </a:solidFill>
+                <a:latin typeface="Consolas" panose="020B0609020204030204" pitchFamily="49" charset="0"/>
+              </a:rPr>
+              <a:t>const</a:t>
+            </a:r>
+            <a:r>
+              <a:rPr lang="sv-SE" dirty="0">
+                <a:solidFill>
+                  <a:srgbClr val="000000"/>
+                </a:solidFill>
+                <a:latin typeface="Consolas" panose="020B0609020204030204" pitchFamily="49" charset="0"/>
+              </a:rPr>
+              <a:t> numero = </a:t>
+            </a:r>
+            <a:r>
+              <a:rPr lang="sv-SE" dirty="0">
+                <a:solidFill>
+                  <a:srgbClr val="098658"/>
+                </a:solidFill>
+                <a:latin typeface="Consolas" panose="020B0609020204030204" pitchFamily="49" charset="0"/>
+              </a:rPr>
+              <a:t>5</a:t>
+            </a:r>
+            <a:endParaRPr lang="sv-SE" b="0" dirty="0">
+              <a:solidFill>
+                <a:srgbClr val="000000"/>
+              </a:solidFill>
+              <a:effectLst/>
+              <a:latin typeface="Consolas" panose="020B0609020204030204" pitchFamily="49" charset="0"/>
+            </a:endParaRPr>
+          </a:p>
+        </p:txBody>
+      </p:sp>
+      <p:sp>
+        <p:nvSpPr>
+          <p:cNvPr id="8" name="CaixaDeTexto 7">
+            <a:extLst>
+              <a:ext uri="{FF2B5EF4-FFF2-40B4-BE49-F238E27FC236}">
+                <a16:creationId xmlns:a16="http://schemas.microsoft.com/office/drawing/2014/main" id="{3A6B6FFD-FFEC-409C-9A80-F2762D82F22C}"/>
+              </a:ext>
+            </a:extLst>
+          </p:cNvPr>
+          <p:cNvSpPr txBox="1"/>
           <p:nvPr/>
-        </p:nvPicPr>
-        <p:blipFill>
-          <a:blip r:embed="rId3"/>
-          <a:stretch>
-            <a:fillRect/>
-          </a:stretch>
-        </p:blipFill>
-        <p:spPr>
-          <a:xfrm>
-            <a:off x="566165" y="4013115"/>
-            <a:ext cx="5458587" cy="2105319"/>
+        </p:nvSpPr>
+        <p:spPr>
+          <a:xfrm>
+            <a:off x="592346" y="2935877"/>
+            <a:ext cx="3598654" cy="461665"/>
           </a:xfrm>
           <a:prstGeom prst="rect">
             <a:avLst/>
           </a:prstGeom>
-        </p:spPr>
-      </p:pic>
+          <a:noFill/>
+        </p:spPr>
+        <p:txBody>
+          <a:bodyPr wrap="square" rtlCol="0">
+            <a:spAutoFit/>
+          </a:bodyPr>
+          <a:lstStyle/>
+          <a:p>
+            <a:r>
+              <a:rPr lang="pt-BR" sz="2400" b="1" dirty="0" err="1">
+                <a:latin typeface="Times New Roman" panose="02020603050405020304" pitchFamily="18" charset="0"/>
+                <a:cs typeface="Times New Roman" panose="02020603050405020304" pitchFamily="18" charset="0"/>
+              </a:rPr>
+              <a:t>const</a:t>
+            </a:r>
+            <a:r>
+              <a:rPr lang="pt-BR" sz="2400" b="1" dirty="0">
+                <a:latin typeface="Times New Roman" panose="02020603050405020304" pitchFamily="18" charset="0"/>
+                <a:cs typeface="Times New Roman" panose="02020603050405020304" pitchFamily="18" charset="0"/>
+              </a:rPr>
+              <a:t> – </a:t>
+            </a:r>
+            <a:r>
+              <a:rPr lang="pt-BR" sz="2400" dirty="0">
+                <a:latin typeface="Times New Roman" panose="02020603050405020304" pitchFamily="18" charset="0"/>
+                <a:cs typeface="Times New Roman" panose="02020603050405020304" pitchFamily="18" charset="0"/>
+              </a:rPr>
+              <a:t>Atribuindo valores</a:t>
+            </a:r>
+            <a:endParaRPr lang="pt-BR" sz="2000" b="1" dirty="0">
+              <a:latin typeface="Times New Roman" panose="02020603050405020304" pitchFamily="18" charset="0"/>
+              <a:cs typeface="Times New Roman" panose="02020603050405020304" pitchFamily="18" charset="0"/>
+            </a:endParaRPr>
+          </a:p>
+        </p:txBody>
+      </p:sp>
     </p:spTree>
     <p:extLst>
       <p:ext uri="{BB962C8B-B14F-4D97-AF65-F5344CB8AC3E}">
-        <p14:creationId xmlns:p14="http://schemas.microsoft.com/office/powerpoint/2010/main" val="1955519977"/>
+        <p14:creationId xmlns:p14="http://schemas.microsoft.com/office/powerpoint/2010/main" val="1989550390"/>
       </p:ext>
     </p:extLst>
   </p:cSld>
@@ -5304,7 +5823,7 @@
           <p:cNvPr id="2" name="Título 1">
             <a:extLst>
               <a:ext uri="{FF2B5EF4-FFF2-40B4-BE49-F238E27FC236}">
-                <a16:creationId xmlns:a16="http://schemas.microsoft.com/office/drawing/2014/main" id="{26314F3E-3952-473B-A400-D69D8A197D67}"/>
+                <a16:creationId xmlns:a16="http://schemas.microsoft.com/office/drawing/2014/main" id="{7C4F9435-904E-4622-9F5C-22A7E8B539C3}"/>
               </a:ext>
             </a:extLst>
           </p:cNvPr>
@@ -5322,7 +5841,7 @@
           <a:p>
             <a:r>
               <a:rPr lang="pt-BR" dirty="0"/>
-              <a:t>OPERADORES ARITMETICOS</a:t>
+              <a:t>Operadores Aritméticos</a:t>
             </a:r>
           </a:p>
         </p:txBody>
@@ -5332,7 +5851,7 @@
           <p:cNvPr id="3" name="Espaço Reservado para Conteúdo 2">
             <a:extLst>
               <a:ext uri="{FF2B5EF4-FFF2-40B4-BE49-F238E27FC236}">
-                <a16:creationId xmlns:a16="http://schemas.microsoft.com/office/drawing/2014/main" id="{FAFF7E0B-8B16-4096-BC61-9CCE7D1D5633}"/>
+                <a16:creationId xmlns:a16="http://schemas.microsoft.com/office/drawing/2014/main" id="{D61CBECE-B023-4E4D-8666-1271FE564CF5}"/>
               </a:ext>
             </a:extLst>
           </p:cNvPr>
@@ -5343,79 +5862,181 @@
             <p:ph idx="1"/>
           </p:nvPr>
         </p:nvSpPr>
-        <p:spPr/>
+        <p:spPr>
+          <a:xfrm>
+            <a:off x="592347" y="1844675"/>
+            <a:ext cx="11007306" cy="1431925"/>
+          </a:xfrm>
+        </p:spPr>
         <p:txBody>
           <a:bodyPr/>
           <a:lstStyle/>
           <a:p>
-            <a:endParaRPr lang="pt-BR"/>
-          </a:p>
-        </p:txBody>
-      </p:sp>
-      <p:pic>
-        <p:nvPicPr>
-          <p:cNvPr id="4" name="Imagem 3">
-            <a:extLst>
-              <a:ext uri="{FF2B5EF4-FFF2-40B4-BE49-F238E27FC236}">
-                <a16:creationId xmlns:a16="http://schemas.microsoft.com/office/drawing/2014/main" id="{3825855D-04A1-4707-8309-291783DE4528}"/>
-              </a:ext>
-            </a:extLst>
-          </p:cNvPr>
-          <p:cNvPicPr>
-            <a:picLocks noChangeAspect="1"/>
-          </p:cNvPicPr>
+            <a:r>
+              <a:rPr lang="pt-BR" dirty="0"/>
+              <a:t>Os operadores aritméticos são elementos fundamentais em linguagens de programação que permitem a realização de operações matemáticas sobre variáveis e valores. Os operadores aritméticos mais comuns incluem:</a:t>
+            </a:r>
+          </a:p>
+          <a:p>
+            <a:endParaRPr lang="pt-BR" dirty="0"/>
+          </a:p>
+        </p:txBody>
+      </p:sp>
+      <p:sp>
+        <p:nvSpPr>
+          <p:cNvPr id="6" name="CaixaDeTexto 5">
+            <a:extLst>
+              <a:ext uri="{FF2B5EF4-FFF2-40B4-BE49-F238E27FC236}">
+                <a16:creationId xmlns:a16="http://schemas.microsoft.com/office/drawing/2014/main" id="{F5C36A6D-F231-4B02-9181-C0BE9C42BE5D}"/>
+              </a:ext>
+            </a:extLst>
+          </p:cNvPr>
+          <p:cNvSpPr txBox="1"/>
           <p:nvPr/>
-        </p:nvPicPr>
-        <p:blipFill>
-          <a:blip r:embed="rId2"/>
-          <a:stretch>
-            <a:fillRect/>
-          </a:stretch>
-        </p:blipFill>
-        <p:spPr>
-          <a:xfrm>
-            <a:off x="583333" y="2245453"/>
-            <a:ext cx="5761883" cy="1806862"/>
+        </p:nvSpPr>
+        <p:spPr>
+          <a:xfrm>
+            <a:off x="592347" y="3429000"/>
+            <a:ext cx="3598654" cy="400110"/>
           </a:xfrm>
           <a:prstGeom prst="rect">
             <a:avLst/>
           </a:prstGeom>
-        </p:spPr>
-      </p:pic>
-      <p:pic>
-        <p:nvPicPr>
-          <p:cNvPr id="5" name="Imagem 4">
-            <a:extLst>
-              <a:ext uri="{FF2B5EF4-FFF2-40B4-BE49-F238E27FC236}">
-                <a16:creationId xmlns:a16="http://schemas.microsoft.com/office/drawing/2014/main" id="{416789F3-439B-4D8B-9B95-E7DD97BED658}"/>
-              </a:ext>
-            </a:extLst>
-          </p:cNvPr>
-          <p:cNvPicPr>
-            <a:picLocks noChangeAspect="1"/>
-          </p:cNvPicPr>
+          <a:noFill/>
+        </p:spPr>
+        <p:txBody>
+          <a:bodyPr wrap="square" rtlCol="0">
+            <a:spAutoFit/>
+          </a:bodyPr>
+          <a:lstStyle/>
+          <a:p>
+            <a:r>
+              <a:rPr lang="pt-BR" sz="2000" dirty="0">
+                <a:latin typeface="Times New Roman" panose="02020603050405020304" pitchFamily="18" charset="0"/>
+                <a:cs typeface="Times New Roman" panose="02020603050405020304" pitchFamily="18" charset="0"/>
+              </a:rPr>
+              <a:t>Operador Soma (+)</a:t>
+            </a:r>
+            <a:endParaRPr lang="pt-BR" dirty="0">
+              <a:latin typeface="Times New Roman" panose="02020603050405020304" pitchFamily="18" charset="0"/>
+              <a:cs typeface="Times New Roman" panose="02020603050405020304" pitchFamily="18" charset="0"/>
+            </a:endParaRPr>
+          </a:p>
+        </p:txBody>
+      </p:sp>
+      <p:sp>
+        <p:nvSpPr>
+          <p:cNvPr id="7" name="Retângulo 6">
+            <a:extLst>
+              <a:ext uri="{FF2B5EF4-FFF2-40B4-BE49-F238E27FC236}">
+                <a16:creationId xmlns:a16="http://schemas.microsoft.com/office/drawing/2014/main" id="{FE8BB8B0-195D-4668-82F5-1D8363829550}"/>
+              </a:ext>
+            </a:extLst>
+          </p:cNvPr>
+          <p:cNvSpPr/>
           <p:nvPr/>
-        </p:nvPicPr>
-        <p:blipFill>
-          <a:blip r:embed="rId3"/>
-          <a:stretch>
-            <a:fillRect/>
-          </a:stretch>
-        </p:blipFill>
-        <p:spPr>
-          <a:xfrm>
-            <a:off x="559390" y="4633410"/>
-            <a:ext cx="6287377" cy="1743318"/>
+        </p:nvSpPr>
+        <p:spPr>
+          <a:xfrm>
+            <a:off x="4800600" y="3946987"/>
+            <a:ext cx="2590800" cy="1200329"/>
           </a:xfrm>
           <a:prstGeom prst="rect">
             <a:avLst/>
           </a:prstGeom>
         </p:spPr>
-      </p:pic>
+        <p:txBody>
+          <a:bodyPr wrap="square">
+            <a:spAutoFit/>
+          </a:bodyPr>
+          <a:lstStyle/>
+          <a:p>
+            <a:r>
+              <a:rPr lang="pt-BR" dirty="0">
+                <a:solidFill>
+                  <a:srgbClr val="000000"/>
+                </a:solidFill>
+                <a:latin typeface="Consolas" panose="020B0609020204030204" pitchFamily="49" charset="0"/>
+              </a:rPr>
+              <a:t>n1 = </a:t>
+            </a:r>
+            <a:r>
+              <a:rPr lang="pt-BR" dirty="0">
+                <a:solidFill>
+                  <a:srgbClr val="098658"/>
+                </a:solidFill>
+                <a:latin typeface="Consolas" panose="020B0609020204030204" pitchFamily="49" charset="0"/>
+              </a:rPr>
+              <a:t>5</a:t>
+            </a:r>
+            <a:endParaRPr lang="pt-BR" dirty="0">
+              <a:solidFill>
+                <a:srgbClr val="000000"/>
+              </a:solidFill>
+              <a:latin typeface="Consolas" panose="020B0609020204030204" pitchFamily="49" charset="0"/>
+            </a:endParaRPr>
+          </a:p>
+          <a:p>
+            <a:r>
+              <a:rPr lang="pt-BR" dirty="0">
+                <a:solidFill>
+                  <a:srgbClr val="000000"/>
+                </a:solidFill>
+                <a:latin typeface="Consolas" panose="020B0609020204030204" pitchFamily="49" charset="0"/>
+              </a:rPr>
+              <a:t>n2 = </a:t>
+            </a:r>
+            <a:r>
+              <a:rPr lang="pt-BR" dirty="0">
+                <a:solidFill>
+                  <a:srgbClr val="098658"/>
+                </a:solidFill>
+                <a:latin typeface="Consolas" panose="020B0609020204030204" pitchFamily="49" charset="0"/>
+              </a:rPr>
+              <a:t>10</a:t>
+            </a:r>
+            <a:endParaRPr lang="pt-BR" dirty="0">
+              <a:solidFill>
+                <a:srgbClr val="000000"/>
+              </a:solidFill>
+              <a:latin typeface="Consolas" panose="020B0609020204030204" pitchFamily="49" charset="0"/>
+            </a:endParaRPr>
+          </a:p>
+          <a:p>
+            <a:r>
+              <a:rPr lang="pt-BR" dirty="0">
+                <a:solidFill>
+                  <a:srgbClr val="000000"/>
+                </a:solidFill>
+                <a:latin typeface="Consolas" panose="020B0609020204030204" pitchFamily="49" charset="0"/>
+              </a:rPr>
+              <a:t>soma = n1 + n2 </a:t>
+            </a:r>
+          </a:p>
+          <a:p>
+            <a:r>
+              <a:rPr lang="pt-BR" dirty="0">
+                <a:solidFill>
+                  <a:srgbClr val="000000"/>
+                </a:solidFill>
+                <a:latin typeface="Consolas" panose="020B0609020204030204" pitchFamily="49" charset="0"/>
+              </a:rPr>
+              <a:t>console.log(soma);</a:t>
+            </a:r>
+            <a:endParaRPr lang="pt-BR" b="0" dirty="0">
+              <a:solidFill>
+                <a:srgbClr val="000000"/>
+              </a:solidFill>
+              <a:effectLst/>
+              <a:latin typeface="Consolas" panose="020B0609020204030204" pitchFamily="49" charset="0"/>
+            </a:endParaRPr>
+          </a:p>
+        </p:txBody>
+      </p:sp>
     </p:spTree>
     <p:extLst>
       <p:ext uri="{BB962C8B-B14F-4D97-AF65-F5344CB8AC3E}">
-        <p14:creationId xmlns:p14="http://schemas.microsoft.com/office/powerpoint/2010/main" val="1119341410"/>
+        <p14:creationId xmlns:p14="http://schemas.microsoft.com/office/powerpoint/2010/main" val="1955519977"/>
       </p:ext>
     </p:extLst>
   </p:cSld>
@@ -5936,7 +6557,7 @@
           <p:cNvPr id="2" name="Título 1">
             <a:extLst>
               <a:ext uri="{FF2B5EF4-FFF2-40B4-BE49-F238E27FC236}">
-                <a16:creationId xmlns:a16="http://schemas.microsoft.com/office/drawing/2014/main" id="{8CD75DA4-C00D-48C6-AAAF-53426D92EBA4}"/>
+                <a16:creationId xmlns:a16="http://schemas.microsoft.com/office/drawing/2014/main" id="{26314F3E-3952-473B-A400-D69D8A197D67}"/>
               </a:ext>
             </a:extLst>
           </p:cNvPr>
@@ -5954,100 +6575,371 @@
           <a:p>
             <a:r>
               <a:rPr lang="pt-BR" dirty="0"/>
-              <a:t>OPERADORES ARITMETICOS</a:t>
-            </a:r>
-          </a:p>
-        </p:txBody>
-      </p:sp>
-      <p:sp>
-        <p:nvSpPr>
-          <p:cNvPr id="3" name="Espaço Reservado para Conteúdo 2">
-            <a:extLst>
-              <a:ext uri="{FF2B5EF4-FFF2-40B4-BE49-F238E27FC236}">
-                <a16:creationId xmlns:a16="http://schemas.microsoft.com/office/drawing/2014/main" id="{6D1AC56B-61E3-483F-8C6E-59141D257F56}"/>
-              </a:ext>
-            </a:extLst>
-          </p:cNvPr>
-          <p:cNvSpPr>
-            <a:spLocks noGrp="1"/>
-          </p:cNvSpPr>
-          <p:nvPr>
-            <p:ph idx="1"/>
-          </p:nvPr>
-        </p:nvSpPr>
-        <p:spPr/>
-        <p:txBody>
-          <a:bodyPr/>
-          <a:lstStyle/>
-          <a:p>
-            <a:endParaRPr lang="pt-BR"/>
-          </a:p>
-        </p:txBody>
-      </p:sp>
-      <p:pic>
-        <p:nvPicPr>
-          <p:cNvPr id="4" name="Imagem 3">
-            <a:extLst>
-              <a:ext uri="{FF2B5EF4-FFF2-40B4-BE49-F238E27FC236}">
-                <a16:creationId xmlns:a16="http://schemas.microsoft.com/office/drawing/2014/main" id="{AC462286-F100-41BE-8B36-7841BC6D3801}"/>
-              </a:ext>
-            </a:extLst>
-          </p:cNvPr>
-          <p:cNvPicPr>
-            <a:picLocks noChangeAspect="1"/>
-          </p:cNvPicPr>
+              <a:t>Operadores Aritméticos</a:t>
+            </a:r>
+          </a:p>
+        </p:txBody>
+      </p:sp>
+      <p:sp>
+        <p:nvSpPr>
+          <p:cNvPr id="11" name="CaixaDeTexto 10">
+            <a:extLst>
+              <a:ext uri="{FF2B5EF4-FFF2-40B4-BE49-F238E27FC236}">
+                <a16:creationId xmlns:a16="http://schemas.microsoft.com/office/drawing/2014/main" id="{A6F6001F-7618-4CB6-8A1E-0076E8D95CB8}"/>
+              </a:ext>
+            </a:extLst>
+          </p:cNvPr>
+          <p:cNvSpPr txBox="1"/>
           <p:nvPr/>
-        </p:nvPicPr>
-        <p:blipFill>
-          <a:blip r:embed="rId2"/>
-          <a:stretch>
-            <a:fillRect/>
-          </a:stretch>
-        </p:blipFill>
-        <p:spPr>
-          <a:xfrm>
-            <a:off x="563499" y="2339121"/>
-            <a:ext cx="5182323" cy="1562318"/>
+        </p:nvSpPr>
+        <p:spPr>
+          <a:xfrm>
+            <a:off x="592347" y="1844675"/>
+            <a:ext cx="3598654" cy="400110"/>
           </a:xfrm>
           <a:prstGeom prst="rect">
             <a:avLst/>
           </a:prstGeom>
-        </p:spPr>
-      </p:pic>
-      <p:pic>
-        <p:nvPicPr>
-          <p:cNvPr id="5" name="Imagem 4">
-            <a:extLst>
-              <a:ext uri="{FF2B5EF4-FFF2-40B4-BE49-F238E27FC236}">
-                <a16:creationId xmlns:a16="http://schemas.microsoft.com/office/drawing/2014/main" id="{E0836B17-1824-4526-BB01-D4091C9ED87A}"/>
-              </a:ext>
-            </a:extLst>
-          </p:cNvPr>
-          <p:cNvPicPr>
-            <a:picLocks noChangeAspect="1"/>
-          </p:cNvPicPr>
+          <a:noFill/>
+        </p:spPr>
+        <p:txBody>
+          <a:bodyPr wrap="square" rtlCol="0">
+            <a:spAutoFit/>
+          </a:bodyPr>
+          <a:lstStyle/>
+          <a:p>
+            <a:r>
+              <a:rPr lang="pt-BR" sz="2000" dirty="0">
+                <a:latin typeface="Times New Roman" panose="02020603050405020304" pitchFamily="18" charset="0"/>
+                <a:cs typeface="Times New Roman" panose="02020603050405020304" pitchFamily="18" charset="0"/>
+              </a:rPr>
+              <a:t>Operador Subtração (-)</a:t>
+            </a:r>
+            <a:endParaRPr lang="pt-BR" dirty="0">
+              <a:latin typeface="Times New Roman" panose="02020603050405020304" pitchFamily="18" charset="0"/>
+              <a:cs typeface="Times New Roman" panose="02020603050405020304" pitchFamily="18" charset="0"/>
+            </a:endParaRPr>
+          </a:p>
+        </p:txBody>
+      </p:sp>
+      <p:sp>
+        <p:nvSpPr>
+          <p:cNvPr id="12" name="Retângulo 11">
+            <a:extLst>
+              <a:ext uri="{FF2B5EF4-FFF2-40B4-BE49-F238E27FC236}">
+                <a16:creationId xmlns:a16="http://schemas.microsoft.com/office/drawing/2014/main" id="{3277F070-1737-4490-A977-A957AE04A87A}"/>
+              </a:ext>
+            </a:extLst>
+          </p:cNvPr>
+          <p:cNvSpPr/>
           <p:nvPr/>
-        </p:nvPicPr>
-        <p:blipFill>
-          <a:blip r:embed="rId3"/>
-          <a:stretch>
-            <a:fillRect/>
-          </a:stretch>
-        </p:blipFill>
-        <p:spPr>
-          <a:xfrm>
-            <a:off x="563316" y="4300995"/>
-            <a:ext cx="4848902" cy="1619476"/>
+        </p:nvSpPr>
+        <p:spPr>
+          <a:xfrm>
+            <a:off x="4800600" y="2586852"/>
+            <a:ext cx="3352800" cy="1200329"/>
           </a:xfrm>
           <a:prstGeom prst="rect">
             <a:avLst/>
           </a:prstGeom>
         </p:spPr>
-      </p:pic>
+        <p:txBody>
+          <a:bodyPr wrap="square">
+            <a:spAutoFit/>
+          </a:bodyPr>
+          <a:lstStyle/>
+          <a:p>
+            <a:r>
+              <a:rPr lang="pt-BR" dirty="0">
+                <a:solidFill>
+                  <a:srgbClr val="000000"/>
+                </a:solidFill>
+                <a:latin typeface="Consolas" panose="020B0609020204030204" pitchFamily="49" charset="0"/>
+              </a:rPr>
+              <a:t>n1 = </a:t>
+            </a:r>
+            <a:r>
+              <a:rPr lang="pt-BR" dirty="0">
+                <a:solidFill>
+                  <a:srgbClr val="098658"/>
+                </a:solidFill>
+                <a:latin typeface="Consolas" panose="020B0609020204030204" pitchFamily="49" charset="0"/>
+              </a:rPr>
+              <a:t>15</a:t>
+            </a:r>
+            <a:endParaRPr lang="pt-BR" dirty="0">
+              <a:solidFill>
+                <a:srgbClr val="000000"/>
+              </a:solidFill>
+              <a:latin typeface="Consolas" panose="020B0609020204030204" pitchFamily="49" charset="0"/>
+            </a:endParaRPr>
+          </a:p>
+          <a:p>
+            <a:r>
+              <a:rPr lang="pt-BR" dirty="0">
+                <a:solidFill>
+                  <a:srgbClr val="000000"/>
+                </a:solidFill>
+                <a:latin typeface="Consolas" panose="020B0609020204030204" pitchFamily="49" charset="0"/>
+              </a:rPr>
+              <a:t>n2 = </a:t>
+            </a:r>
+            <a:r>
+              <a:rPr lang="pt-BR" dirty="0">
+                <a:solidFill>
+                  <a:srgbClr val="098658"/>
+                </a:solidFill>
+                <a:latin typeface="Consolas" panose="020B0609020204030204" pitchFamily="49" charset="0"/>
+              </a:rPr>
+              <a:t>10</a:t>
+            </a:r>
+            <a:endParaRPr lang="pt-BR" dirty="0">
+              <a:solidFill>
+                <a:srgbClr val="000000"/>
+              </a:solidFill>
+              <a:latin typeface="Consolas" panose="020B0609020204030204" pitchFamily="49" charset="0"/>
+            </a:endParaRPr>
+          </a:p>
+          <a:p>
+            <a:r>
+              <a:rPr lang="pt-BR" dirty="0" err="1">
+                <a:solidFill>
+                  <a:srgbClr val="000000"/>
+                </a:solidFill>
+                <a:latin typeface="Consolas" panose="020B0609020204030204" pitchFamily="49" charset="0"/>
+              </a:rPr>
+              <a:t>subtracao</a:t>
+            </a:r>
+            <a:r>
+              <a:rPr lang="pt-BR" dirty="0">
+                <a:solidFill>
+                  <a:srgbClr val="000000"/>
+                </a:solidFill>
+                <a:latin typeface="Consolas" panose="020B0609020204030204" pitchFamily="49" charset="0"/>
+              </a:rPr>
+              <a:t> = n1 - n2 </a:t>
+            </a:r>
+          </a:p>
+          <a:p>
+            <a:r>
+              <a:rPr lang="pt-BR" dirty="0">
+                <a:solidFill>
+                  <a:srgbClr val="000000"/>
+                </a:solidFill>
+                <a:latin typeface="Consolas" panose="020B0609020204030204" pitchFamily="49" charset="0"/>
+              </a:rPr>
+              <a:t>console.log(</a:t>
+            </a:r>
+            <a:r>
+              <a:rPr lang="pt-BR" dirty="0" err="1">
+                <a:solidFill>
+                  <a:srgbClr val="000000"/>
+                </a:solidFill>
+                <a:latin typeface="Consolas" panose="020B0609020204030204" pitchFamily="49" charset="0"/>
+              </a:rPr>
+              <a:t>subtracao</a:t>
+            </a:r>
+            <a:r>
+              <a:rPr lang="pt-BR" dirty="0">
+                <a:solidFill>
+                  <a:srgbClr val="000000"/>
+                </a:solidFill>
+                <a:latin typeface="Consolas" panose="020B0609020204030204" pitchFamily="49" charset="0"/>
+              </a:rPr>
+              <a:t>)</a:t>
+            </a:r>
+            <a:endParaRPr lang="pt-BR" b="0" dirty="0">
+              <a:solidFill>
+                <a:srgbClr val="000000"/>
+              </a:solidFill>
+              <a:effectLst/>
+              <a:latin typeface="Consolas" panose="020B0609020204030204" pitchFamily="49" charset="0"/>
+            </a:endParaRPr>
+          </a:p>
+        </p:txBody>
+      </p:sp>
+      <p:sp>
+        <p:nvSpPr>
+          <p:cNvPr id="13" name="CaixaDeTexto 12">
+            <a:extLst>
+              <a:ext uri="{FF2B5EF4-FFF2-40B4-BE49-F238E27FC236}">
+                <a16:creationId xmlns:a16="http://schemas.microsoft.com/office/drawing/2014/main" id="{48EF6CA4-7ECC-4A5E-8980-20DA2B280BA8}"/>
+              </a:ext>
+            </a:extLst>
+          </p:cNvPr>
+          <p:cNvSpPr txBox="1"/>
+          <p:nvPr/>
+        </p:nvSpPr>
+        <p:spPr>
+          <a:xfrm>
+            <a:off x="592347" y="4129248"/>
+            <a:ext cx="3598654" cy="400110"/>
+          </a:xfrm>
+          <a:prstGeom prst="rect">
+            <a:avLst/>
+          </a:prstGeom>
+          <a:noFill/>
+        </p:spPr>
+        <p:txBody>
+          <a:bodyPr wrap="square" rtlCol="0">
+            <a:spAutoFit/>
+          </a:bodyPr>
+          <a:lstStyle/>
+          <a:p>
+            <a:r>
+              <a:rPr lang="pt-BR" sz="2000" dirty="0">
+                <a:latin typeface="Times New Roman" panose="02020603050405020304" pitchFamily="18" charset="0"/>
+                <a:cs typeface="Times New Roman" panose="02020603050405020304" pitchFamily="18" charset="0"/>
+              </a:rPr>
+              <a:t>Operador Multiplicação (*)</a:t>
+            </a:r>
+            <a:endParaRPr lang="pt-BR" dirty="0">
+              <a:latin typeface="Times New Roman" panose="02020603050405020304" pitchFamily="18" charset="0"/>
+              <a:cs typeface="Times New Roman" panose="02020603050405020304" pitchFamily="18" charset="0"/>
+            </a:endParaRPr>
+          </a:p>
+        </p:txBody>
+      </p:sp>
+      <p:sp>
+        <p:nvSpPr>
+          <p:cNvPr id="14" name="Retângulo 13">
+            <a:extLst>
+              <a:ext uri="{FF2B5EF4-FFF2-40B4-BE49-F238E27FC236}">
+                <a16:creationId xmlns:a16="http://schemas.microsoft.com/office/drawing/2014/main" id="{7F149CB0-8715-4782-9AEA-4781A346F8F0}"/>
+              </a:ext>
+            </a:extLst>
+          </p:cNvPr>
+          <p:cNvSpPr/>
+          <p:nvPr/>
+        </p:nvSpPr>
+        <p:spPr>
+          <a:xfrm>
+            <a:off x="4800600" y="4871424"/>
+            <a:ext cx="3505200" cy="1200329"/>
+          </a:xfrm>
+          <a:prstGeom prst="rect">
+            <a:avLst/>
+          </a:prstGeom>
+        </p:spPr>
+        <p:txBody>
+          <a:bodyPr wrap="square">
+            <a:spAutoFit/>
+          </a:bodyPr>
+          <a:lstStyle/>
+          <a:p>
+            <a:r>
+              <a:rPr lang="pt-BR" dirty="0">
+                <a:solidFill>
+                  <a:srgbClr val="000000"/>
+                </a:solidFill>
+                <a:latin typeface="Consolas" panose="020B0609020204030204" pitchFamily="49" charset="0"/>
+              </a:rPr>
+              <a:t>n1 = </a:t>
+            </a:r>
+            <a:r>
+              <a:rPr lang="pt-BR" dirty="0">
+                <a:solidFill>
+                  <a:srgbClr val="098658"/>
+                </a:solidFill>
+                <a:latin typeface="Consolas" panose="020B0609020204030204" pitchFamily="49" charset="0"/>
+              </a:rPr>
+              <a:t>15</a:t>
+            </a:r>
+            <a:endParaRPr lang="pt-BR" dirty="0">
+              <a:solidFill>
+                <a:srgbClr val="000000"/>
+              </a:solidFill>
+              <a:latin typeface="Consolas" panose="020B0609020204030204" pitchFamily="49" charset="0"/>
+            </a:endParaRPr>
+          </a:p>
+          <a:p>
+            <a:r>
+              <a:rPr lang="pt-BR" dirty="0">
+                <a:solidFill>
+                  <a:srgbClr val="000000"/>
+                </a:solidFill>
+                <a:latin typeface="Consolas" panose="020B0609020204030204" pitchFamily="49" charset="0"/>
+              </a:rPr>
+              <a:t>n2 = </a:t>
+            </a:r>
+            <a:r>
+              <a:rPr lang="pt-BR" dirty="0">
+                <a:solidFill>
+                  <a:srgbClr val="098658"/>
+                </a:solidFill>
+                <a:latin typeface="Consolas" panose="020B0609020204030204" pitchFamily="49" charset="0"/>
+              </a:rPr>
+              <a:t>10</a:t>
+            </a:r>
+            <a:endParaRPr lang="pt-BR" dirty="0">
+              <a:solidFill>
+                <a:srgbClr val="000000"/>
+              </a:solidFill>
+              <a:latin typeface="Consolas" panose="020B0609020204030204" pitchFamily="49" charset="0"/>
+            </a:endParaRPr>
+          </a:p>
+          <a:p>
+            <a:r>
+              <a:rPr lang="pt-BR" dirty="0" err="1">
+                <a:solidFill>
+                  <a:srgbClr val="000000"/>
+                </a:solidFill>
+                <a:latin typeface="Consolas" panose="020B0609020204030204" pitchFamily="49" charset="0"/>
+              </a:rPr>
+              <a:t>multiplicacao</a:t>
+            </a:r>
+            <a:r>
+              <a:rPr lang="pt-BR" dirty="0">
+                <a:solidFill>
+                  <a:srgbClr val="000000"/>
+                </a:solidFill>
+                <a:latin typeface="Consolas" panose="020B0609020204030204" pitchFamily="49" charset="0"/>
+              </a:rPr>
+              <a:t> = n1 * n2 </a:t>
+            </a:r>
+          </a:p>
+          <a:p>
+            <a:r>
+              <a:rPr lang="pt-BR" dirty="0">
+                <a:solidFill>
+                  <a:srgbClr val="000000"/>
+                </a:solidFill>
+                <a:latin typeface="Consolas" panose="020B0609020204030204" pitchFamily="49" charset="0"/>
+              </a:rPr>
+              <a:t>console.log(</a:t>
+            </a:r>
+            <a:r>
+              <a:rPr lang="pt-BR" dirty="0" err="1">
+                <a:solidFill>
+                  <a:srgbClr val="000000"/>
+                </a:solidFill>
+                <a:latin typeface="Consolas" panose="020B0609020204030204" pitchFamily="49" charset="0"/>
+              </a:rPr>
+              <a:t>multiplicacao</a:t>
+            </a:r>
+            <a:r>
+              <a:rPr lang="pt-BR" dirty="0">
+                <a:solidFill>
+                  <a:srgbClr val="000000"/>
+                </a:solidFill>
+                <a:latin typeface="Consolas" panose="020B0609020204030204" pitchFamily="49" charset="0"/>
+              </a:rPr>
+              <a:t>)</a:t>
+            </a:r>
+            <a:endParaRPr lang="pt-BR" b="0" dirty="0">
+              <a:solidFill>
+                <a:srgbClr val="000000"/>
+              </a:solidFill>
+              <a:effectLst/>
+              <a:latin typeface="Consolas" panose="020B0609020204030204" pitchFamily="49" charset="0"/>
+            </a:endParaRPr>
+          </a:p>
+        </p:txBody>
+      </p:sp>
     </p:spTree>
     <p:extLst>
       <p:ext uri="{BB962C8B-B14F-4D97-AF65-F5344CB8AC3E}">
-        <p14:creationId xmlns:p14="http://schemas.microsoft.com/office/powerpoint/2010/main" val="1932373607"/>
+        <p14:creationId xmlns:p14="http://schemas.microsoft.com/office/powerpoint/2010/main" val="1119341410"/>
       </p:ext>
     </p:extLst>
   </p:cSld>
@@ -6079,7 +6971,7 @@
           <p:cNvPr id="2" name="Título 1">
             <a:extLst>
               <a:ext uri="{FF2B5EF4-FFF2-40B4-BE49-F238E27FC236}">
-                <a16:creationId xmlns:a16="http://schemas.microsoft.com/office/drawing/2014/main" id="{B62CE7B2-6D22-4D4F-8C7C-279D995FC57D}"/>
+                <a16:creationId xmlns:a16="http://schemas.microsoft.com/office/drawing/2014/main" id="{8CD75DA4-C00D-48C6-AAAF-53426D92EBA4}"/>
               </a:ext>
             </a:extLst>
           </p:cNvPr>
@@ -6096,102 +6988,377 @@
           <a:lstStyle/>
           <a:p>
             <a:r>
-              <a:rPr lang="pt-BR" spc="-5" dirty="0"/>
-              <a:t>OPERADORES ARITMETICOS</a:t>
-            </a:r>
-            <a:endParaRPr lang="pt-BR" dirty="0"/>
-          </a:p>
-        </p:txBody>
-      </p:sp>
-      <p:sp>
-        <p:nvSpPr>
-          <p:cNvPr id="3" name="Espaço Reservado para Conteúdo 2">
-            <a:extLst>
-              <a:ext uri="{FF2B5EF4-FFF2-40B4-BE49-F238E27FC236}">
-                <a16:creationId xmlns:a16="http://schemas.microsoft.com/office/drawing/2014/main" id="{37E0B0BD-AB7A-4ABF-86F0-090FA45452D9}"/>
-              </a:ext>
-            </a:extLst>
-          </p:cNvPr>
-          <p:cNvSpPr>
-            <a:spLocks noGrp="1"/>
-          </p:cNvSpPr>
-          <p:nvPr>
-            <p:ph idx="1"/>
-          </p:nvPr>
-        </p:nvSpPr>
-        <p:spPr/>
-        <p:txBody>
-          <a:bodyPr/>
-          <a:lstStyle/>
-          <a:p>
-            <a:endParaRPr lang="pt-BR"/>
-          </a:p>
-        </p:txBody>
-      </p:sp>
-      <p:pic>
-        <p:nvPicPr>
-          <p:cNvPr id="4" name="Imagem 3">
-            <a:extLst>
-              <a:ext uri="{FF2B5EF4-FFF2-40B4-BE49-F238E27FC236}">
-                <a16:creationId xmlns:a16="http://schemas.microsoft.com/office/drawing/2014/main" id="{924043A7-A09F-4378-A460-A18AE2900CBB}"/>
-              </a:ext>
-            </a:extLst>
-          </p:cNvPr>
-          <p:cNvPicPr>
-            <a:picLocks noChangeAspect="1"/>
-          </p:cNvPicPr>
+              <a:rPr lang="pt-BR" dirty="0"/>
+              <a:t>Operadores Aritméticos</a:t>
+            </a:r>
+          </a:p>
+        </p:txBody>
+      </p:sp>
+      <p:sp>
+        <p:nvSpPr>
+          <p:cNvPr id="6" name="CaixaDeTexto 5">
+            <a:extLst>
+              <a:ext uri="{FF2B5EF4-FFF2-40B4-BE49-F238E27FC236}">
+                <a16:creationId xmlns:a16="http://schemas.microsoft.com/office/drawing/2014/main" id="{C575C93C-3A6D-4909-BAD3-3BAFCA418E1D}"/>
+              </a:ext>
+            </a:extLst>
+          </p:cNvPr>
+          <p:cNvSpPr txBox="1"/>
           <p:nvPr/>
-        </p:nvPicPr>
-        <p:blipFill>
-          <a:blip r:embed="rId2"/>
-          <a:stretch>
-            <a:fillRect/>
-          </a:stretch>
-        </p:blipFill>
-        <p:spPr>
-          <a:xfrm>
-            <a:off x="578271" y="2173454"/>
-            <a:ext cx="6487430" cy="1790950"/>
+        </p:nvSpPr>
+        <p:spPr>
+          <a:xfrm>
+            <a:off x="592346" y="1844675"/>
+            <a:ext cx="5503653" cy="400110"/>
           </a:xfrm>
           <a:prstGeom prst="rect">
             <a:avLst/>
           </a:prstGeom>
-        </p:spPr>
-      </p:pic>
-      <p:pic>
-        <p:nvPicPr>
-          <p:cNvPr id="5" name="Imagem 4">
-            <a:extLst>
-              <a:ext uri="{FF2B5EF4-FFF2-40B4-BE49-F238E27FC236}">
-                <a16:creationId xmlns:a16="http://schemas.microsoft.com/office/drawing/2014/main" id="{CE6332FE-DADD-42B2-A39A-259DFF991881}"/>
-              </a:ext>
-            </a:extLst>
-          </p:cNvPr>
-          <p:cNvPicPr>
-            <a:picLocks noChangeAspect="1"/>
-          </p:cNvPicPr>
+          <a:noFill/>
+        </p:spPr>
+        <p:txBody>
+          <a:bodyPr wrap="square" rtlCol="0">
+            <a:spAutoFit/>
+          </a:bodyPr>
+          <a:lstStyle/>
+          <a:p>
+            <a:r>
+              <a:rPr lang="pt-BR" sz="2000" dirty="0">
+                <a:latin typeface="Times New Roman" panose="02020603050405020304" pitchFamily="18" charset="0"/>
+                <a:cs typeface="Times New Roman" panose="02020603050405020304" pitchFamily="18" charset="0"/>
+              </a:rPr>
+              <a:t>Operador Potência (</a:t>
+            </a:r>
+            <a:r>
+              <a:rPr lang="pt-BR" sz="2000" dirty="0" err="1">
+                <a:latin typeface="Times New Roman" panose="02020603050405020304" pitchFamily="18" charset="0"/>
+                <a:cs typeface="Times New Roman" panose="02020603050405020304" pitchFamily="18" charset="0"/>
+              </a:rPr>
+              <a:t>Math.pow</a:t>
+            </a:r>
+            <a:r>
+              <a:rPr lang="pt-BR" sz="2000" dirty="0">
+                <a:latin typeface="Times New Roman" panose="02020603050405020304" pitchFamily="18" charset="0"/>
+                <a:cs typeface="Times New Roman" panose="02020603050405020304" pitchFamily="18" charset="0"/>
+              </a:rPr>
+              <a:t>(base, expoente))</a:t>
+            </a:r>
+            <a:endParaRPr lang="pt-BR" dirty="0">
+              <a:latin typeface="Times New Roman" panose="02020603050405020304" pitchFamily="18" charset="0"/>
+              <a:cs typeface="Times New Roman" panose="02020603050405020304" pitchFamily="18" charset="0"/>
+            </a:endParaRPr>
+          </a:p>
+        </p:txBody>
+      </p:sp>
+      <p:sp>
+        <p:nvSpPr>
+          <p:cNvPr id="7" name="Retângulo 6">
+            <a:extLst>
+              <a:ext uri="{FF2B5EF4-FFF2-40B4-BE49-F238E27FC236}">
+                <a16:creationId xmlns:a16="http://schemas.microsoft.com/office/drawing/2014/main" id="{EE1CD526-B7C3-4443-8033-0A779932A464}"/>
+              </a:ext>
+            </a:extLst>
+          </p:cNvPr>
+          <p:cNvSpPr/>
           <p:nvPr/>
-        </p:nvPicPr>
-        <p:blipFill>
-          <a:blip r:embed="rId3"/>
-          <a:stretch>
-            <a:fillRect/>
-          </a:stretch>
-        </p:blipFill>
-        <p:spPr>
-          <a:xfrm>
-            <a:off x="566165" y="4337294"/>
-            <a:ext cx="6355929" cy="1996964"/>
+        </p:nvSpPr>
+        <p:spPr>
+          <a:xfrm>
+            <a:off x="4800600" y="2586852"/>
+            <a:ext cx="3657600" cy="1200329"/>
           </a:xfrm>
           <a:prstGeom prst="rect">
             <a:avLst/>
           </a:prstGeom>
         </p:spPr>
-      </p:pic>
+        <p:txBody>
+          <a:bodyPr wrap="square">
+            <a:spAutoFit/>
+          </a:bodyPr>
+          <a:lstStyle/>
+          <a:p>
+            <a:r>
+              <a:rPr lang="pt-BR" dirty="0">
+                <a:solidFill>
+                  <a:srgbClr val="000000"/>
+                </a:solidFill>
+                <a:latin typeface="Consolas" panose="020B0609020204030204" pitchFamily="49" charset="0"/>
+              </a:rPr>
+              <a:t>n1 = </a:t>
+            </a:r>
+            <a:r>
+              <a:rPr lang="pt-BR" dirty="0">
+                <a:solidFill>
+                  <a:srgbClr val="098658"/>
+                </a:solidFill>
+                <a:latin typeface="Consolas" panose="020B0609020204030204" pitchFamily="49" charset="0"/>
+              </a:rPr>
+              <a:t>20</a:t>
+            </a:r>
+            <a:endParaRPr lang="pt-BR" dirty="0">
+              <a:solidFill>
+                <a:srgbClr val="000000"/>
+              </a:solidFill>
+              <a:latin typeface="Consolas" panose="020B0609020204030204" pitchFamily="49" charset="0"/>
+            </a:endParaRPr>
+          </a:p>
+          <a:p>
+            <a:r>
+              <a:rPr lang="pt-BR" dirty="0">
+                <a:solidFill>
+                  <a:srgbClr val="000000"/>
+                </a:solidFill>
+                <a:latin typeface="Consolas" panose="020B0609020204030204" pitchFamily="49" charset="0"/>
+              </a:rPr>
+              <a:t>n2 = </a:t>
+            </a:r>
+            <a:r>
+              <a:rPr lang="pt-BR" dirty="0">
+                <a:solidFill>
+                  <a:srgbClr val="098658"/>
+                </a:solidFill>
+                <a:latin typeface="Consolas" panose="020B0609020204030204" pitchFamily="49" charset="0"/>
+              </a:rPr>
+              <a:t>2	</a:t>
+            </a:r>
+            <a:endParaRPr lang="pt-BR" dirty="0">
+              <a:solidFill>
+                <a:srgbClr val="000000"/>
+              </a:solidFill>
+              <a:latin typeface="Consolas" panose="020B0609020204030204" pitchFamily="49" charset="0"/>
+            </a:endParaRPr>
+          </a:p>
+          <a:p>
+            <a:r>
+              <a:rPr lang="pt-BR" dirty="0">
+                <a:solidFill>
+                  <a:srgbClr val="000000"/>
+                </a:solidFill>
+                <a:latin typeface="Consolas" panose="020B0609020204030204" pitchFamily="49" charset="0"/>
+              </a:rPr>
+              <a:t>potencia = </a:t>
+            </a:r>
+            <a:r>
+              <a:rPr lang="pt-BR" dirty="0" err="1">
+                <a:solidFill>
+                  <a:srgbClr val="000000"/>
+                </a:solidFill>
+                <a:latin typeface="Consolas" panose="020B0609020204030204" pitchFamily="49" charset="0"/>
+              </a:rPr>
+              <a:t>Math.pow</a:t>
+            </a:r>
+            <a:r>
+              <a:rPr lang="pt-BR" dirty="0">
+                <a:solidFill>
+                  <a:srgbClr val="000000"/>
+                </a:solidFill>
+                <a:latin typeface="Consolas" panose="020B0609020204030204" pitchFamily="49" charset="0"/>
+              </a:rPr>
+              <a:t>(n1,n2)</a:t>
+            </a:r>
+          </a:p>
+          <a:p>
+            <a:r>
+              <a:rPr lang="pt-BR" dirty="0">
+                <a:solidFill>
+                  <a:srgbClr val="000000"/>
+                </a:solidFill>
+                <a:latin typeface="Consolas" panose="020B0609020204030204" pitchFamily="49" charset="0"/>
+              </a:rPr>
+              <a:t>console.log(potencia)</a:t>
+            </a:r>
+            <a:endParaRPr lang="pt-BR" b="0" dirty="0">
+              <a:solidFill>
+                <a:srgbClr val="000000"/>
+              </a:solidFill>
+              <a:effectLst/>
+              <a:latin typeface="Consolas" panose="020B0609020204030204" pitchFamily="49" charset="0"/>
+            </a:endParaRPr>
+          </a:p>
+        </p:txBody>
+      </p:sp>
+      <p:sp>
+        <p:nvSpPr>
+          <p:cNvPr id="8" name="CaixaDeTexto 7">
+            <a:extLst>
+              <a:ext uri="{FF2B5EF4-FFF2-40B4-BE49-F238E27FC236}">
+                <a16:creationId xmlns:a16="http://schemas.microsoft.com/office/drawing/2014/main" id="{797D080D-1DE6-443D-8FB5-C1F633E78EBA}"/>
+              </a:ext>
+            </a:extLst>
+          </p:cNvPr>
+          <p:cNvSpPr txBox="1"/>
+          <p:nvPr/>
+        </p:nvSpPr>
+        <p:spPr>
+          <a:xfrm>
+            <a:off x="592346" y="4129248"/>
+            <a:ext cx="4208253" cy="400110"/>
+          </a:xfrm>
+          <a:prstGeom prst="rect">
+            <a:avLst/>
+          </a:prstGeom>
+          <a:noFill/>
+        </p:spPr>
+        <p:txBody>
+          <a:bodyPr wrap="square" rtlCol="0">
+            <a:spAutoFit/>
+          </a:bodyPr>
+          <a:lstStyle/>
+          <a:p>
+            <a:r>
+              <a:rPr lang="pt-BR" sz="2000" dirty="0">
+                <a:latin typeface="Times New Roman" panose="02020603050405020304" pitchFamily="18" charset="0"/>
+                <a:cs typeface="Times New Roman" panose="02020603050405020304" pitchFamily="18" charset="0"/>
+              </a:rPr>
+              <a:t>Operador Radiciação (</a:t>
+            </a:r>
+            <a:r>
+              <a:rPr lang="pt-BR" sz="2000" dirty="0" err="1">
+                <a:latin typeface="Times New Roman" panose="02020603050405020304" pitchFamily="18" charset="0"/>
+                <a:cs typeface="Times New Roman" panose="02020603050405020304" pitchFamily="18" charset="0"/>
+              </a:rPr>
+              <a:t>Math.sqrt</a:t>
+            </a:r>
+            <a:r>
+              <a:rPr lang="pt-BR" sz="2000" dirty="0">
+                <a:latin typeface="Times New Roman" panose="02020603050405020304" pitchFamily="18" charset="0"/>
+                <a:cs typeface="Times New Roman" panose="02020603050405020304" pitchFamily="18" charset="0"/>
+              </a:rPr>
+              <a:t>(n))</a:t>
+            </a:r>
+            <a:endParaRPr lang="pt-BR" dirty="0">
+              <a:latin typeface="Times New Roman" panose="02020603050405020304" pitchFamily="18" charset="0"/>
+              <a:cs typeface="Times New Roman" panose="02020603050405020304" pitchFamily="18" charset="0"/>
+            </a:endParaRPr>
+          </a:p>
+        </p:txBody>
+      </p:sp>
+      <p:sp>
+        <p:nvSpPr>
+          <p:cNvPr id="9" name="Retângulo 8">
+            <a:extLst>
+              <a:ext uri="{FF2B5EF4-FFF2-40B4-BE49-F238E27FC236}">
+                <a16:creationId xmlns:a16="http://schemas.microsoft.com/office/drawing/2014/main" id="{F22B1397-DA2D-4091-8D89-8389C8E5EDDA}"/>
+              </a:ext>
+            </a:extLst>
+          </p:cNvPr>
+          <p:cNvSpPr/>
+          <p:nvPr/>
+        </p:nvSpPr>
+        <p:spPr>
+          <a:xfrm>
+            <a:off x="4800600" y="4871424"/>
+            <a:ext cx="3505200" cy="923330"/>
+          </a:xfrm>
+          <a:prstGeom prst="rect">
+            <a:avLst/>
+          </a:prstGeom>
+        </p:spPr>
+        <p:txBody>
+          <a:bodyPr wrap="square">
+            <a:spAutoFit/>
+          </a:bodyPr>
+          <a:lstStyle/>
+          <a:p>
+            <a:r>
+              <a:rPr lang="pt-BR" dirty="0">
+                <a:solidFill>
+                  <a:srgbClr val="000000"/>
+                </a:solidFill>
+                <a:latin typeface="Consolas" panose="020B0609020204030204" pitchFamily="49" charset="0"/>
+              </a:rPr>
+              <a:t>n1 = </a:t>
+            </a:r>
+            <a:r>
+              <a:rPr lang="pt-BR" dirty="0">
+                <a:solidFill>
+                  <a:srgbClr val="098658"/>
+                </a:solidFill>
+                <a:latin typeface="Consolas" panose="020B0609020204030204" pitchFamily="49" charset="0"/>
+              </a:rPr>
+              <a:t>4</a:t>
+            </a:r>
+          </a:p>
+          <a:p>
+            <a:r>
+              <a:rPr lang="pt-BR" dirty="0" err="1">
+                <a:solidFill>
+                  <a:srgbClr val="000000"/>
+                </a:solidFill>
+                <a:latin typeface="Consolas" panose="020B0609020204030204" pitchFamily="49" charset="0"/>
+              </a:rPr>
+              <a:t>radiciacao</a:t>
+            </a:r>
+            <a:r>
+              <a:rPr lang="pt-BR" dirty="0">
+                <a:solidFill>
+                  <a:srgbClr val="000000"/>
+                </a:solidFill>
+                <a:latin typeface="Consolas" panose="020B0609020204030204" pitchFamily="49" charset="0"/>
+              </a:rPr>
+              <a:t> = </a:t>
+            </a:r>
+            <a:r>
+              <a:rPr lang="pt-BR" dirty="0" err="1">
+                <a:solidFill>
+                  <a:srgbClr val="000000"/>
+                </a:solidFill>
+                <a:latin typeface="Consolas" panose="020B0609020204030204" pitchFamily="49" charset="0"/>
+              </a:rPr>
+              <a:t>Math.sqrt</a:t>
+            </a:r>
+            <a:r>
+              <a:rPr lang="pt-BR" dirty="0">
+                <a:solidFill>
+                  <a:srgbClr val="000000"/>
+                </a:solidFill>
+                <a:latin typeface="Consolas" panose="020B0609020204030204" pitchFamily="49" charset="0"/>
+              </a:rPr>
+              <a:t>(n1)</a:t>
+            </a:r>
+          </a:p>
+          <a:p>
+            <a:r>
+              <a:rPr lang="pt-BR" dirty="0">
+                <a:solidFill>
+                  <a:srgbClr val="000000"/>
+                </a:solidFill>
+                <a:latin typeface="Consolas" panose="020B0609020204030204" pitchFamily="49" charset="0"/>
+              </a:rPr>
+              <a:t>console.log(</a:t>
+            </a:r>
+            <a:r>
+              <a:rPr lang="pt-BR" dirty="0" err="1">
+                <a:solidFill>
+                  <a:srgbClr val="000000"/>
+                </a:solidFill>
+                <a:latin typeface="Consolas" panose="020B0609020204030204" pitchFamily="49" charset="0"/>
+              </a:rPr>
+              <a:t>radiciacao</a:t>
+            </a:r>
+            <a:r>
+              <a:rPr lang="pt-BR" dirty="0">
+                <a:solidFill>
+                  <a:srgbClr val="000000"/>
+                </a:solidFill>
+                <a:latin typeface="Consolas" panose="020B0609020204030204" pitchFamily="49" charset="0"/>
+              </a:rPr>
+              <a:t>)</a:t>
+            </a:r>
+            <a:endParaRPr lang="pt-BR" b="0" dirty="0">
+              <a:solidFill>
+                <a:srgbClr val="000000"/>
+              </a:solidFill>
+              <a:effectLst/>
+              <a:latin typeface="Consolas" panose="020B0609020204030204" pitchFamily="49" charset="0"/>
+            </a:endParaRPr>
+          </a:p>
+        </p:txBody>
+      </p:sp>
     </p:spTree>
     <p:extLst>
       <p:ext uri="{BB962C8B-B14F-4D97-AF65-F5344CB8AC3E}">
-        <p14:creationId xmlns:p14="http://schemas.microsoft.com/office/powerpoint/2010/main" val="2911476958"/>
+        <p14:creationId xmlns:p14="http://schemas.microsoft.com/office/powerpoint/2010/main" val="1932373607"/>
       </p:ext>
     </p:extLst>
   </p:cSld>
@@ -6202,133 +7369,6 @@
 </file>
 
 <file path=ppt/slides/slide22.xml><?xml version="1.0" encoding="utf-8"?>
-<p:sld xmlns:a="http://schemas.openxmlformats.org/drawingml/2006/main" xmlns:r="http://schemas.openxmlformats.org/officeDocument/2006/relationships" xmlns:p="http://schemas.openxmlformats.org/presentationml/2006/main">
-  <p:cSld>
-    <p:spTree>
-      <p:nvGrpSpPr>
-        <p:cNvPr id="1" name=""/>
-        <p:cNvGrpSpPr/>
-        <p:nvPr/>
-      </p:nvGrpSpPr>
-      <p:grpSpPr>
-        <a:xfrm>
-          <a:off x="0" y="0"/>
-          <a:ext cx="0" cy="0"/>
-          <a:chOff x="0" y="0"/>
-          <a:chExt cx="0" cy="0"/>
-        </a:xfrm>
-      </p:grpSpPr>
-      <p:sp>
-        <p:nvSpPr>
-          <p:cNvPr id="2" name="Título 1">
-            <a:extLst>
-              <a:ext uri="{FF2B5EF4-FFF2-40B4-BE49-F238E27FC236}">
-                <a16:creationId xmlns:a16="http://schemas.microsoft.com/office/drawing/2014/main" id="{0D158149-CF1C-434F-B911-531698082E0B}"/>
-              </a:ext>
-            </a:extLst>
-          </p:cNvPr>
-          <p:cNvSpPr>
-            <a:spLocks noGrp="1"/>
-          </p:cNvSpPr>
-          <p:nvPr>
-            <p:ph type="title"/>
-          </p:nvPr>
-        </p:nvSpPr>
-        <p:spPr/>
-        <p:txBody>
-          <a:bodyPr/>
-          <a:lstStyle/>
-          <a:p>
-            <a:r>
-              <a:rPr lang="pt-BR" dirty="0"/>
-              <a:t>REPRESENTAÇÃO OS VALORES NO TERMINAL</a:t>
-            </a:r>
-          </a:p>
-        </p:txBody>
-      </p:sp>
-      <p:sp>
-        <p:nvSpPr>
-          <p:cNvPr id="3" name="Espaço Reservado para Conteúdo 2">
-            <a:extLst>
-              <a:ext uri="{FF2B5EF4-FFF2-40B4-BE49-F238E27FC236}">
-                <a16:creationId xmlns:a16="http://schemas.microsoft.com/office/drawing/2014/main" id="{8B08EFEF-FA05-4140-A5E4-1500EEB7BB5E}"/>
-              </a:ext>
-            </a:extLst>
-          </p:cNvPr>
-          <p:cNvSpPr>
-            <a:spLocks noGrp="1"/>
-          </p:cNvSpPr>
-          <p:nvPr>
-            <p:ph idx="1"/>
-          </p:nvPr>
-        </p:nvSpPr>
-        <p:spPr/>
-        <p:txBody>
-          <a:bodyPr/>
-          <a:lstStyle/>
-          <a:p>
-            <a:r>
-              <a:rPr lang="pt-BR" dirty="0"/>
-              <a:t>Para representar os valores no terminal, você pode usar a função console.log() em </a:t>
-            </a:r>
-            <a:r>
-              <a:rPr lang="pt-BR" dirty="0" err="1"/>
-              <a:t>JavaScript</a:t>
-            </a:r>
-            <a:r>
-              <a:rPr lang="pt-BR" dirty="0"/>
-              <a:t>. Aqui está o exemplo anterior modificado para exibir os valores no terminal:</a:t>
-            </a:r>
-          </a:p>
-          <a:p>
-            <a:endParaRPr lang="pt-BR" dirty="0"/>
-          </a:p>
-        </p:txBody>
-      </p:sp>
-      <p:pic>
-        <p:nvPicPr>
-          <p:cNvPr id="5" name="Imagem 4">
-            <a:extLst>
-              <a:ext uri="{FF2B5EF4-FFF2-40B4-BE49-F238E27FC236}">
-                <a16:creationId xmlns:a16="http://schemas.microsoft.com/office/drawing/2014/main" id="{43DF977B-023D-4E2C-9FEA-2D4AC741E223}"/>
-              </a:ext>
-            </a:extLst>
-          </p:cNvPr>
-          <p:cNvPicPr>
-            <a:picLocks noChangeAspect="1"/>
-          </p:cNvPicPr>
-          <p:nvPr/>
-        </p:nvPicPr>
-        <p:blipFill>
-          <a:blip r:embed="rId2"/>
-          <a:stretch>
-            <a:fillRect/>
-          </a:stretch>
-        </p:blipFill>
-        <p:spPr>
-          <a:xfrm>
-            <a:off x="2895600" y="3200400"/>
-            <a:ext cx="6708573" cy="3171325"/>
-          </a:xfrm>
-          <a:prstGeom prst="rect">
-            <a:avLst/>
-          </a:prstGeom>
-        </p:spPr>
-      </p:pic>
-    </p:spTree>
-    <p:extLst>
-      <p:ext uri="{BB962C8B-B14F-4D97-AF65-F5344CB8AC3E}">
-        <p14:creationId xmlns:p14="http://schemas.microsoft.com/office/powerpoint/2010/main" val="737610738"/>
-      </p:ext>
-    </p:extLst>
-  </p:cSld>
-  <p:clrMapOvr>
-    <a:masterClrMapping/>
-  </p:clrMapOvr>
-</p:sld>
-</file>
-
-<file path=ppt/slides/slide23.xml><?xml version="1.0" encoding="utf-8"?>
 <p:sld xmlns:a="http://schemas.openxmlformats.org/drawingml/2006/main" xmlns:r="http://schemas.openxmlformats.org/officeDocument/2006/relationships" xmlns:p="http://schemas.openxmlformats.org/presentationml/2006/main">
   <p:cSld>
     <p:spTree>
